--- a/Documentation/DesignPresentation.pptx
+++ b/Documentation/DesignPresentation.pptx
@@ -212,7 +212,7 @@
           <a:p>
             <a:fld id="{0FA6DC03-07DC-9444-A215-0CB39579650C}" type="datetimeFigureOut">
               <a:rPr lang="en-US" smtClean="0"/>
-              <a:t>12/9/15</a:t>
+              <a:t>12/10/15</a:t>
             </a:fld>
             <a:endParaRPr lang="en-US"/>
           </a:p>
@@ -1955,7 +1955,7 @@
           <a:p>
             <a:fld id="{32AD5522-DF84-8344-A53E-F1BC11C9DD2A}" type="datetime1">
               <a:rPr lang="en-US" smtClean="0"/>
-              <a:t>12/9/15</a:t>
+              <a:t>12/10/15</a:t>
             </a:fld>
             <a:endParaRPr lang="en-US"/>
           </a:p>
@@ -2129,7 +2129,7 @@
           <a:p>
             <a:fld id="{F7AE350A-C553-6149-9290-1F07DFF829D0}" type="datetime1">
               <a:rPr lang="en-US" smtClean="0"/>
-              <a:t>12/9/15</a:t>
+              <a:t>12/10/15</a:t>
             </a:fld>
             <a:endParaRPr lang="en-US"/>
           </a:p>
@@ -2313,7 +2313,7 @@
           <a:p>
             <a:fld id="{CBF1FD08-088A-A542-8C78-4AF5916D6019}" type="datetime1">
               <a:rPr lang="en-US" smtClean="0"/>
-              <a:t>12/9/15</a:t>
+              <a:t>12/10/15</a:t>
             </a:fld>
             <a:endParaRPr lang="en-US"/>
           </a:p>
@@ -2487,7 +2487,7 @@
           <a:p>
             <a:fld id="{B2579675-3AAB-E146-AE96-0FD5426A7C84}" type="datetime1">
               <a:rPr lang="en-US" smtClean="0"/>
-              <a:t>12/9/15</a:t>
+              <a:t>12/10/15</a:t>
             </a:fld>
             <a:endParaRPr lang="en-US"/>
           </a:p>
@@ -2735,7 +2735,7 @@
           <a:p>
             <a:fld id="{D3EAA67B-E290-EE4B-96C7-AECAFBB31BD3}" type="datetime1">
               <a:rPr lang="en-US" smtClean="0"/>
-              <a:t>12/9/15</a:t>
+              <a:t>12/10/15</a:t>
             </a:fld>
             <a:endParaRPr lang="en-US"/>
           </a:p>
@@ -2971,7 +2971,7 @@
           <a:p>
             <a:fld id="{C725EB99-1515-914F-ABD7-306A4217C737}" type="datetime1">
               <a:rPr lang="en-US" smtClean="0"/>
-              <a:t>12/9/15</a:t>
+              <a:t>12/10/15</a:t>
             </a:fld>
             <a:endParaRPr lang="en-US"/>
           </a:p>
@@ -3342,7 +3342,7 @@
           <a:p>
             <a:fld id="{0534848A-C4AD-9147-B682-4E60B9137494}" type="datetime1">
               <a:rPr lang="en-US" smtClean="0"/>
-              <a:t>12/9/15</a:t>
+              <a:t>12/10/15</a:t>
             </a:fld>
             <a:endParaRPr lang="en-US"/>
           </a:p>
@@ -3464,7 +3464,7 @@
           <a:p>
             <a:fld id="{DC7DFC90-9818-314C-BEE0-F00C63E4F678}" type="datetime1">
               <a:rPr lang="en-US" smtClean="0"/>
-              <a:t>12/9/15</a:t>
+              <a:t>12/10/15</a:t>
             </a:fld>
             <a:endParaRPr lang="en-US"/>
           </a:p>
@@ -3563,7 +3563,7 @@
           <a:p>
             <a:fld id="{2C7DE50E-A0FC-D240-8478-9B372B3ABDB9}" type="datetime1">
               <a:rPr lang="en-US" smtClean="0"/>
-              <a:t>12/9/15</a:t>
+              <a:t>12/10/15</a:t>
             </a:fld>
             <a:endParaRPr lang="en-US"/>
           </a:p>
@@ -3844,7 +3844,7 @@
           <a:p>
             <a:fld id="{516FE62A-BF91-7A47-AE95-2FD678F7530C}" type="datetime1">
               <a:rPr lang="en-US" smtClean="0"/>
-              <a:t>12/9/15</a:t>
+              <a:t>12/10/15</a:t>
             </a:fld>
             <a:endParaRPr lang="en-US"/>
           </a:p>
@@ -4105,7 +4105,7 @@
           <a:p>
             <a:fld id="{46146ED4-E229-224C-B791-881D7213DB68}" type="datetime1">
               <a:rPr lang="en-US" smtClean="0"/>
-              <a:t>12/9/15</a:t>
+              <a:t>12/10/15</a:t>
             </a:fld>
             <a:endParaRPr lang="en-US"/>
           </a:p>
@@ -4322,7 +4322,7 @@
           <a:p>
             <a:fld id="{B23251AD-FCD5-CC42-BFDD-246A3DEC94F4}" type="datetime1">
               <a:rPr lang="en-US" smtClean="0"/>
-              <a:t>12/9/15</a:t>
+              <a:t>12/10/15</a:t>
             </a:fld>
             <a:endParaRPr lang="en-US"/>
           </a:p>
@@ -4806,7 +4806,7 @@
                   <a:schemeClr val="bg1"/>
                 </a:solidFill>
               </a:rPr>
-              <a:t>12/9/15</a:t>
+              <a:t>12/10/15</a:t>
             </a:fld>
             <a:endParaRPr lang="en-US" b="1" dirty="0">
               <a:solidFill>
@@ -4842,23 +4842,7 @@
                   <a:schemeClr val="bg1"/>
                 </a:solidFill>
               </a:rPr>
-              <a:t>ECE </a:t>
-            </a:r>
-            <a:r>
-              <a:rPr lang="en-US" b="1" dirty="0" smtClean="0">
-                <a:solidFill>
-                  <a:schemeClr val="bg1"/>
-                </a:solidFill>
-              </a:rPr>
-              <a:t>4401</a:t>
-            </a:r>
-            <a:r>
-              <a:rPr lang="en-US" b="1" dirty="0" smtClean="0">
-                <a:solidFill>
-                  <a:schemeClr val="bg1"/>
-                </a:solidFill>
-              </a:rPr>
-              <a:t> – Final Project</a:t>
+              <a:t>ECE 4401 – Final Project</a:t>
             </a:r>
             <a:endParaRPr lang="en-US" b="1" dirty="0">
               <a:solidFill>
@@ -4992,7 +4976,7 @@
         </p:spPr>
         <p:txBody>
           <a:bodyPr vert="horz" lIns="91440" tIns="45720" rIns="91440" bIns="45720" rtlCol="0">
-            <a:normAutofit fontScale="92500" lnSpcReduction="10000"/>
+            <a:normAutofit fontScale="92500" lnSpcReduction="20000"/>
           </a:bodyPr>
           <a:lstStyle>
             <a:lvl1pPr marL="0" indent="0" algn="ctr" defTabSz="914400" rtl="0" eaLnBrk="1" latinLnBrk="0" hangingPunct="1">
@@ -5168,7 +5152,7 @@
               <a:defRPr/>
             </a:pPr>
             <a:r>
-              <a:rPr kumimoji="0" lang="en-US" sz="2600" b="1" i="0" u="none" strike="noStrike" kern="1200" cap="none" spc="0" normalizeH="0" baseline="0" noProof="0" dirty="0" smtClean="0">
+              <a:rPr kumimoji="0" lang="en-US" sz="3000" b="1" i="0" u="none" strike="noStrike" kern="1200" cap="none" spc="0" normalizeH="0" baseline="0" noProof="0" dirty="0" smtClean="0">
                 <a:ln>
                   <a:noFill/>
                 </a:ln>
@@ -5184,43 +5168,8 @@
                 <a:ea typeface=""/>
                 <a:cs typeface=""/>
               </a:rPr>
-              <a:t>David </a:t>
-            </a:r>
-            <a:r>
-              <a:rPr kumimoji="0" lang="en-US" sz="2600" b="1" i="0" u="none" strike="noStrike" kern="1200" cap="none" spc="0" normalizeH="0" baseline="0" noProof="0" dirty="0" smtClean="0">
-                <a:ln>
-                  <a:noFill/>
-                </a:ln>
-                <a:solidFill>
-                  <a:sysClr val="windowText" lastClr="000000">
-                    <a:tint val="75000"/>
-                  </a:sysClr>
-                </a:solidFill>
-                <a:effectLst/>
-                <a:uLnTx/>
-                <a:uFillTx/>
-                <a:latin typeface="Calibri"/>
-                <a:ea typeface=""/>
-                <a:cs typeface=""/>
-              </a:rPr>
-              <a:t>Paquette</a:t>
-            </a:r>
-            <a:endParaRPr kumimoji="0" lang="en-US" sz="2600" b="1" i="0" u="none" strike="noStrike" kern="1200" cap="none" spc="0" normalizeH="0" baseline="0" noProof="0" dirty="0" smtClean="0">
-              <a:ln>
-                <a:noFill/>
-              </a:ln>
-              <a:solidFill>
-                <a:sysClr val="windowText" lastClr="000000">
-                  <a:tint val="75000"/>
-                </a:sysClr>
-              </a:solidFill>
-              <a:effectLst/>
-              <a:uLnTx/>
-              <a:uFillTx/>
-              <a:latin typeface="Calibri"/>
-              <a:ea typeface=""/>
-              <a:cs typeface=""/>
-            </a:endParaRPr>
+              <a:t>David Paquette</a:t>
+            </a:r>
           </a:p>
           <a:p>
             <a:pPr marL="0" marR="0" lvl="0" indent="0" algn="ctr" defTabSz="914400" rtl="0" eaLnBrk="1" fontAlgn="auto" latinLnBrk="0" hangingPunct="1">
@@ -5686,7 +5635,7 @@
                   <a:schemeClr val="bg1"/>
                 </a:solidFill>
               </a:rPr>
-              <a:t>12/9/15</a:t>
+              <a:t>12/10/15</a:t>
             </a:fld>
             <a:endParaRPr lang="en-US" b="1" dirty="0">
               <a:solidFill>
@@ -5844,7 +5793,18 @@
                 <a:ea typeface=""/>
                 <a:cs typeface=""/>
               </a:rPr>
-              <a:t>VGA Display Module</a:t>
+              <a:t>VGA BRAM </a:t>
+            </a:r>
+            <a:r>
+              <a:rPr lang="en-US" noProof="0" dirty="0" smtClean="0">
+                <a:solidFill>
+                  <a:sysClr val="windowText" lastClr="000000"/>
+                </a:solidFill>
+                <a:latin typeface="Calibri"/>
+                <a:ea typeface=""/>
+                <a:cs typeface=""/>
+              </a:rPr>
+              <a:t>Display Module</a:t>
             </a:r>
             <a:endParaRPr kumimoji="0" lang="en-US" sz="4400" b="0" i="0" u="none" strike="noStrike" kern="1200" cap="none" spc="0" normalizeH="0" baseline="0" noProof="0" dirty="0">
               <a:ln>
@@ -5889,23 +5849,7 @@
                   <a:schemeClr val="bg1"/>
                 </a:solidFill>
               </a:rPr>
-              <a:t>ECE </a:t>
-            </a:r>
-            <a:r>
-              <a:rPr lang="en-US" b="1" dirty="0" smtClean="0">
-                <a:solidFill>
-                  <a:schemeClr val="bg1"/>
-                </a:solidFill>
-              </a:rPr>
-              <a:t>4401</a:t>
-            </a:r>
-            <a:r>
-              <a:rPr lang="en-US" b="1" dirty="0" smtClean="0">
-                <a:solidFill>
-                  <a:schemeClr val="bg1"/>
-                </a:solidFill>
-              </a:rPr>
-              <a:t> – Final Project</a:t>
+              <a:t>ECE 4401 – Final Project</a:t>
             </a:r>
             <a:endParaRPr lang="en-US" b="1" dirty="0">
               <a:solidFill>
@@ -5925,8 +5869,8 @@
         </p:nvSpPr>
         <p:spPr>
           <a:xfrm>
-            <a:off x="457200" y="1447802"/>
-            <a:ext cx="8229600" cy="4525963"/>
+            <a:off x="372618" y="1343491"/>
+            <a:ext cx="4626864" cy="3296756"/>
           </a:xfrm>
           <a:prstGeom prst="rect">
             <a:avLst/>
@@ -6086,10 +6030,23 @@
                 <a:ea typeface=""/>
                 <a:cs typeface=""/>
               </a:rPr>
-              <a:t>Writing to </a:t>
-            </a:r>
-            <a:r>
-              <a:rPr lang="en-US" dirty="0" err="1" smtClean="0">
+              <a:t>Current and desired temperature are written to BRAM over Wishbone</a:t>
+            </a:r>
+            <a:endParaRPr lang="en-US" dirty="0" smtClean="0">
+              <a:solidFill>
+                <a:sysClr val="windowText" lastClr="000000"/>
+              </a:solidFill>
+              <a:latin typeface="Calibri"/>
+              <a:ea typeface=""/>
+              <a:cs typeface=""/>
+            </a:endParaRPr>
+          </a:p>
+          <a:p>
+            <a:pPr>
+              <a:defRPr/>
+            </a:pPr>
+            <a:r>
+              <a:rPr lang="en-US" dirty="0" smtClean="0">
                 <a:solidFill>
                   <a:sysClr val="windowText" lastClr="000000"/>
                 </a:solidFill>
@@ -6097,34 +6054,7 @@
                 <a:ea typeface=""/>
                 <a:cs typeface=""/>
               </a:rPr>
-              <a:t>bram</a:t>
-            </a:r>
-            <a:r>
-              <a:rPr lang="en-US" dirty="0" smtClean="0">
-                <a:solidFill>
-                  <a:sysClr val="windowText" lastClr="000000"/>
-                </a:solidFill>
-                <a:latin typeface="Calibri"/>
-                <a:ea typeface=""/>
-                <a:cs typeface=""/>
-              </a:rPr>
-              <a:t> memory and the display is grabbing it</a:t>
-            </a:r>
-          </a:p>
-          <a:p>
-            <a:pPr>
-              <a:defRPr/>
-            </a:pPr>
-            <a:r>
-              <a:rPr lang="en-US" dirty="0" smtClean="0">
-                <a:solidFill>
-                  <a:sysClr val="windowText" lastClr="000000"/>
-                </a:solidFill>
-                <a:latin typeface="Calibri"/>
-                <a:ea typeface=""/>
-                <a:cs typeface=""/>
-              </a:rPr>
-              <a:t>State machine for building display</a:t>
+              <a:t>VGA module reads pixel data from BRAM over Wishbone</a:t>
             </a:r>
             <a:endParaRPr kumimoji="0" lang="en-US" sz="3200" b="0" i="0" u="none" strike="noStrike" kern="1200" cap="none" spc="0" normalizeH="0" baseline="0" noProof="0" dirty="0">
               <a:ln>
@@ -6143,6 +6073,700 @@
           </a:p>
         </p:txBody>
       </p:sp>
+      <p:sp>
+        <p:nvSpPr>
+          <p:cNvPr id="13" name="Oval 12"/>
+          <p:cNvSpPr/>
+          <p:nvPr/>
+        </p:nvSpPr>
+        <p:spPr>
+          <a:xfrm>
+            <a:off x="5364113" y="1157475"/>
+            <a:ext cx="1142237" cy="1052590"/>
+          </a:xfrm>
+          <a:prstGeom prst="ellipse">
+            <a:avLst/>
+          </a:prstGeom>
+        </p:spPr>
+        <p:style>
+          <a:lnRef idx="2">
+            <a:schemeClr val="accent1">
+              <a:shade val="50000"/>
+            </a:schemeClr>
+          </a:lnRef>
+          <a:fillRef idx="1">
+            <a:schemeClr val="accent1"/>
+          </a:fillRef>
+          <a:effectRef idx="0">
+            <a:schemeClr val="accent1"/>
+          </a:effectRef>
+          <a:fontRef idx="minor">
+            <a:schemeClr val="lt1"/>
+          </a:fontRef>
+        </p:style>
+        <p:txBody>
+          <a:bodyPr rtlCol="0" anchor="ctr"/>
+          <a:lstStyle/>
+          <a:p>
+            <a:pPr algn="ctr"/>
+            <a:r>
+              <a:rPr lang="en-US" sz="1400" smtClean="0"/>
+              <a:t>InitMem</a:t>
+            </a:r>
+            <a:endParaRPr lang="en-US" sz="1400" dirty="0"/>
+          </a:p>
+        </p:txBody>
+      </p:sp>
+      <p:sp>
+        <p:nvSpPr>
+          <p:cNvPr id="14" name="Oval 13"/>
+          <p:cNvSpPr/>
+          <p:nvPr/>
+        </p:nvSpPr>
+        <p:spPr>
+          <a:xfrm>
+            <a:off x="7200729" y="1157475"/>
+            <a:ext cx="1059678" cy="1059349"/>
+          </a:xfrm>
+          <a:prstGeom prst="ellipse">
+            <a:avLst/>
+          </a:prstGeom>
+        </p:spPr>
+        <p:style>
+          <a:lnRef idx="2">
+            <a:schemeClr val="accent1">
+              <a:shade val="50000"/>
+            </a:schemeClr>
+          </a:lnRef>
+          <a:fillRef idx="1">
+            <a:schemeClr val="accent1"/>
+          </a:fillRef>
+          <a:effectRef idx="0">
+            <a:schemeClr val="accent1"/>
+          </a:effectRef>
+          <a:fontRef idx="minor">
+            <a:schemeClr val="lt1"/>
+          </a:fontRef>
+        </p:style>
+        <p:txBody>
+          <a:bodyPr rtlCol="0" anchor="ctr"/>
+          <a:lstStyle/>
+          <a:p>
+            <a:pPr algn="ctr"/>
+            <a:r>
+              <a:rPr lang="en-US" sz="1400" dirty="0" smtClean="0"/>
+              <a:t>Start</a:t>
+            </a:r>
+            <a:endParaRPr lang="en-US" sz="1400" dirty="0"/>
+          </a:p>
+        </p:txBody>
+      </p:sp>
+      <p:sp>
+        <p:nvSpPr>
+          <p:cNvPr id="15" name="Oval 14"/>
+          <p:cNvSpPr/>
+          <p:nvPr/>
+        </p:nvSpPr>
+        <p:spPr>
+          <a:xfrm>
+            <a:off x="7200729" y="2690911"/>
+            <a:ext cx="1059678" cy="1059349"/>
+          </a:xfrm>
+          <a:prstGeom prst="ellipse">
+            <a:avLst/>
+          </a:prstGeom>
+        </p:spPr>
+        <p:style>
+          <a:lnRef idx="2">
+            <a:schemeClr val="accent1">
+              <a:shade val="50000"/>
+            </a:schemeClr>
+          </a:lnRef>
+          <a:fillRef idx="1">
+            <a:schemeClr val="accent1"/>
+          </a:fillRef>
+          <a:effectRef idx="0">
+            <a:schemeClr val="accent1"/>
+          </a:effectRef>
+          <a:fontRef idx="minor">
+            <a:schemeClr val="lt1"/>
+          </a:fontRef>
+        </p:style>
+        <p:txBody>
+          <a:bodyPr rtlCol="0" anchor="ctr"/>
+          <a:lstStyle/>
+          <a:p>
+            <a:pPr algn="ctr"/>
+            <a:r>
+              <a:rPr lang="en-US" sz="1400" dirty="0" smtClean="0"/>
+              <a:t>Get Pixel Data</a:t>
+            </a:r>
+            <a:endParaRPr lang="en-US" sz="1400" dirty="0"/>
+          </a:p>
+        </p:txBody>
+      </p:sp>
+      <p:sp>
+        <p:nvSpPr>
+          <p:cNvPr id="16" name="Oval 15"/>
+          <p:cNvSpPr/>
+          <p:nvPr/>
+        </p:nvSpPr>
+        <p:spPr>
+          <a:xfrm>
+            <a:off x="5446672" y="2677915"/>
+            <a:ext cx="1059678" cy="1059349"/>
+          </a:xfrm>
+          <a:prstGeom prst="ellipse">
+            <a:avLst/>
+          </a:prstGeom>
+        </p:spPr>
+        <p:style>
+          <a:lnRef idx="2">
+            <a:schemeClr val="accent1">
+              <a:shade val="50000"/>
+            </a:schemeClr>
+          </a:lnRef>
+          <a:fillRef idx="1">
+            <a:schemeClr val="accent1"/>
+          </a:fillRef>
+          <a:effectRef idx="0">
+            <a:schemeClr val="accent1"/>
+          </a:effectRef>
+          <a:fontRef idx="minor">
+            <a:schemeClr val="lt1"/>
+          </a:fontRef>
+        </p:style>
+        <p:txBody>
+          <a:bodyPr rtlCol="0" anchor="ctr"/>
+          <a:lstStyle/>
+          <a:p>
+            <a:pPr algn="ctr"/>
+            <a:r>
+              <a:rPr lang="en-US" sz="1400" dirty="0" smtClean="0"/>
+              <a:t>Write to Mem</a:t>
+            </a:r>
+            <a:endParaRPr lang="en-US" sz="1400" dirty="0"/>
+          </a:p>
+        </p:txBody>
+      </p:sp>
+      <p:cxnSp>
+        <p:nvCxnSpPr>
+          <p:cNvPr id="17" name="Curved Connector 16"/>
+          <p:cNvCxnSpPr>
+            <a:stCxn id="13" idx="6"/>
+            <a:endCxn id="14" idx="2"/>
+          </p:cNvCxnSpPr>
+          <p:nvPr/>
+        </p:nvCxnSpPr>
+        <p:spPr>
+          <a:xfrm>
+            <a:off x="6506350" y="1683770"/>
+            <a:ext cx="694379" cy="3380"/>
+          </a:xfrm>
+          <a:prstGeom prst="curvedConnector3">
+            <a:avLst>
+              <a:gd name="adj1" fmla="val 50000"/>
+            </a:avLst>
+          </a:prstGeom>
+          <a:ln w="19050">
+            <a:solidFill>
+              <a:schemeClr val="tx1"/>
+            </a:solidFill>
+            <a:tailEnd type="triangle" w="lg" len="lg"/>
+          </a:ln>
+        </p:spPr>
+        <p:style>
+          <a:lnRef idx="1">
+            <a:schemeClr val="accent1"/>
+          </a:lnRef>
+          <a:fillRef idx="0">
+            <a:schemeClr val="accent1"/>
+          </a:fillRef>
+          <a:effectRef idx="0">
+            <a:schemeClr val="accent1"/>
+          </a:effectRef>
+          <a:fontRef idx="minor">
+            <a:schemeClr val="tx1"/>
+          </a:fontRef>
+        </p:style>
+      </p:cxnSp>
+      <p:sp>
+        <p:nvSpPr>
+          <p:cNvPr id="7" name="TextBox 6"/>
+          <p:cNvSpPr txBox="1"/>
+          <p:nvPr/>
+        </p:nvSpPr>
+        <p:spPr>
+          <a:xfrm>
+            <a:off x="6506350" y="1361367"/>
+            <a:ext cx="739113" cy="307777"/>
+          </a:xfrm>
+          <a:prstGeom prst="rect">
+            <a:avLst/>
+          </a:prstGeom>
+          <a:noFill/>
+        </p:spPr>
+        <p:txBody>
+          <a:bodyPr wrap="none" rtlCol="0">
+            <a:spAutoFit/>
+          </a:bodyPr>
+          <a:lstStyle/>
+          <a:p>
+            <a:r>
+              <a:rPr lang="en-US" sz="1400"/>
+              <a:t>r</a:t>
+            </a:r>
+            <a:r>
+              <a:rPr lang="en-US" sz="1400" smtClean="0"/>
+              <a:t>ow=39</a:t>
+            </a:r>
+            <a:endParaRPr lang="en-US" sz="1400"/>
+          </a:p>
+        </p:txBody>
+      </p:sp>
+      <p:cxnSp>
+        <p:nvCxnSpPr>
+          <p:cNvPr id="18" name="Curved Connector 17"/>
+          <p:cNvCxnSpPr>
+            <a:stCxn id="14" idx="4"/>
+            <a:endCxn id="15" idx="0"/>
+          </p:cNvCxnSpPr>
+          <p:nvPr/>
+        </p:nvCxnSpPr>
+        <p:spPr>
+          <a:xfrm rot="5400000">
+            <a:off x="7493525" y="2453867"/>
+            <a:ext cx="474087" cy="12700"/>
+          </a:xfrm>
+          <a:prstGeom prst="curvedConnector3">
+            <a:avLst>
+              <a:gd name="adj1" fmla="val 50000"/>
+            </a:avLst>
+          </a:prstGeom>
+          <a:ln w="19050">
+            <a:solidFill>
+              <a:schemeClr val="tx1"/>
+            </a:solidFill>
+            <a:tailEnd type="triangle" w="lg" len="lg"/>
+          </a:ln>
+        </p:spPr>
+        <p:style>
+          <a:lnRef idx="1">
+            <a:schemeClr val="accent1"/>
+          </a:lnRef>
+          <a:fillRef idx="0">
+            <a:schemeClr val="accent1"/>
+          </a:fillRef>
+          <a:effectRef idx="0">
+            <a:schemeClr val="accent1"/>
+          </a:effectRef>
+          <a:fontRef idx="minor">
+            <a:schemeClr val="tx1"/>
+          </a:fontRef>
+        </p:style>
+      </p:cxnSp>
+      <p:cxnSp>
+        <p:nvCxnSpPr>
+          <p:cNvPr id="21" name="Curved Connector 20"/>
+          <p:cNvCxnSpPr>
+            <a:stCxn id="15" idx="2"/>
+            <a:endCxn id="16" idx="6"/>
+          </p:cNvCxnSpPr>
+          <p:nvPr/>
+        </p:nvCxnSpPr>
+        <p:spPr>
+          <a:xfrm rot="10800000">
+            <a:off x="6506351" y="3207590"/>
+            <a:ext cx="694379" cy="12996"/>
+          </a:xfrm>
+          <a:prstGeom prst="curvedConnector3">
+            <a:avLst>
+              <a:gd name="adj1" fmla="val 50000"/>
+            </a:avLst>
+          </a:prstGeom>
+          <a:ln w="19050">
+            <a:solidFill>
+              <a:schemeClr val="tx1"/>
+            </a:solidFill>
+            <a:tailEnd type="triangle" w="lg" len="lg"/>
+          </a:ln>
+        </p:spPr>
+        <p:style>
+          <a:lnRef idx="1">
+            <a:schemeClr val="accent1"/>
+          </a:lnRef>
+          <a:fillRef idx="0">
+            <a:schemeClr val="accent1"/>
+          </a:fillRef>
+          <a:effectRef idx="0">
+            <a:schemeClr val="accent1"/>
+          </a:effectRef>
+          <a:fontRef idx="minor">
+            <a:schemeClr val="tx1"/>
+          </a:fontRef>
+        </p:style>
+      </p:cxnSp>
+      <p:cxnSp>
+        <p:nvCxnSpPr>
+          <p:cNvPr id="24" name="Curved Connector 23"/>
+          <p:cNvCxnSpPr>
+            <a:stCxn id="16" idx="4"/>
+            <a:endCxn id="15" idx="4"/>
+          </p:cNvCxnSpPr>
+          <p:nvPr/>
+        </p:nvCxnSpPr>
+        <p:spPr>
+          <a:xfrm rot="16200000" flipH="1">
+            <a:off x="6847041" y="2866733"/>
+            <a:ext cx="12996" cy="1754057"/>
+          </a:xfrm>
+          <a:prstGeom prst="curvedConnector3">
+            <a:avLst>
+              <a:gd name="adj1" fmla="val 1859003"/>
+            </a:avLst>
+          </a:prstGeom>
+          <a:ln w="19050">
+            <a:solidFill>
+              <a:schemeClr val="tx1"/>
+            </a:solidFill>
+            <a:tailEnd type="triangle" w="lg" len="lg"/>
+          </a:ln>
+        </p:spPr>
+        <p:style>
+          <a:lnRef idx="1">
+            <a:schemeClr val="accent1"/>
+          </a:lnRef>
+          <a:fillRef idx="0">
+            <a:schemeClr val="accent1"/>
+          </a:fillRef>
+          <a:effectRef idx="0">
+            <a:schemeClr val="accent1"/>
+          </a:effectRef>
+          <a:fontRef idx="minor">
+            <a:schemeClr val="tx1"/>
+          </a:fontRef>
+        </p:style>
+      </p:cxnSp>
+      <p:sp>
+        <p:nvSpPr>
+          <p:cNvPr id="29" name="TextBox 28"/>
+          <p:cNvSpPr txBox="1"/>
+          <p:nvPr/>
+        </p:nvSpPr>
+        <p:spPr>
+          <a:xfrm>
+            <a:off x="6520585" y="2912808"/>
+            <a:ext cx="724878" cy="307777"/>
+          </a:xfrm>
+          <a:prstGeom prst="rect">
+            <a:avLst/>
+          </a:prstGeom>
+          <a:noFill/>
+        </p:spPr>
+        <p:txBody>
+          <a:bodyPr wrap="none" rtlCol="0">
+            <a:spAutoFit/>
+          </a:bodyPr>
+          <a:lstStyle/>
+          <a:p>
+            <a:r>
+              <a:rPr lang="en-US" sz="1400" dirty="0"/>
+              <a:t>l</a:t>
+            </a:r>
+            <a:r>
+              <a:rPr lang="en-US" sz="1400" dirty="0" smtClean="0"/>
+              <a:t>ine&lt;11</a:t>
+            </a:r>
+            <a:endParaRPr lang="en-US" sz="1400" dirty="0"/>
+          </a:p>
+        </p:txBody>
+      </p:sp>
+      <p:sp>
+        <p:nvSpPr>
+          <p:cNvPr id="30" name="TextBox 29"/>
+          <p:cNvSpPr txBox="1"/>
+          <p:nvPr/>
+        </p:nvSpPr>
+        <p:spPr>
+          <a:xfrm>
+            <a:off x="6520585" y="3653441"/>
+            <a:ext cx="740908" cy="307777"/>
+          </a:xfrm>
+          <a:prstGeom prst="rect">
+            <a:avLst/>
+          </a:prstGeom>
+          <a:noFill/>
+        </p:spPr>
+        <p:txBody>
+          <a:bodyPr wrap="none" rtlCol="0">
+            <a:spAutoFit/>
+          </a:bodyPr>
+          <a:lstStyle/>
+          <a:p>
+            <a:r>
+              <a:rPr lang="en-US" sz="1400" dirty="0" err="1" smtClean="0"/>
+              <a:t>ack_i</a:t>
+            </a:r>
+            <a:r>
+              <a:rPr lang="en-US" sz="1400" dirty="0" smtClean="0"/>
+              <a:t>=1</a:t>
+            </a:r>
+            <a:endParaRPr lang="en-US" sz="1400" dirty="0"/>
+          </a:p>
+        </p:txBody>
+      </p:sp>
+      <p:grpSp>
+        <p:nvGrpSpPr>
+          <p:cNvPr id="39" name="Group 38"/>
+          <p:cNvGrpSpPr/>
+          <p:nvPr/>
+        </p:nvGrpSpPr>
+        <p:grpSpPr>
+          <a:xfrm>
+            <a:off x="6186615" y="4879128"/>
+            <a:ext cx="1584023" cy="1253330"/>
+            <a:chOff x="6196154" y="4982377"/>
+            <a:chExt cx="1584023" cy="1253330"/>
+          </a:xfrm>
+        </p:grpSpPr>
+        <p:sp>
+          <p:nvSpPr>
+            <p:cNvPr id="32" name="TextBox 31"/>
+            <p:cNvSpPr txBox="1"/>
+            <p:nvPr/>
+          </p:nvSpPr>
+          <p:spPr>
+            <a:xfrm>
+              <a:off x="6196154" y="5866375"/>
+              <a:ext cx="1584023" cy="369332"/>
+            </a:xfrm>
+            <a:prstGeom prst="rect">
+              <a:avLst/>
+            </a:prstGeom>
+            <a:noFill/>
+          </p:spPr>
+          <p:txBody>
+            <a:bodyPr wrap="none" rtlCol="0">
+              <a:spAutoFit/>
+            </a:bodyPr>
+            <a:lstStyle/>
+            <a:p>
+              <a:r>
+                <a:rPr lang="en-US" b="1" dirty="0" smtClean="0"/>
+                <a:t>Display format</a:t>
+              </a:r>
+              <a:endParaRPr lang="en-US" b="1" dirty="0"/>
+            </a:p>
+          </p:txBody>
+        </p:sp>
+        <p:sp>
+          <p:nvSpPr>
+            <p:cNvPr id="33" name="TextBox 32"/>
+            <p:cNvSpPr txBox="1"/>
+            <p:nvPr/>
+          </p:nvSpPr>
+          <p:spPr>
+            <a:xfrm>
+              <a:off x="6368126" y="4982377"/>
+              <a:ext cx="1106393" cy="830997"/>
+            </a:xfrm>
+            <a:prstGeom prst="rect">
+              <a:avLst/>
+            </a:prstGeom>
+            <a:noFill/>
+          </p:spPr>
+          <p:txBody>
+            <a:bodyPr wrap="none" rtlCol="0">
+              <a:spAutoFit/>
+            </a:bodyPr>
+            <a:lstStyle/>
+            <a:p>
+              <a:r>
+                <a:rPr lang="en-US" sz="2400" b="1" dirty="0" err="1" smtClean="0">
+                  <a:latin typeface="Andale Mono" charset="0"/>
+                  <a:ea typeface="Andale Mono" charset="0"/>
+                  <a:cs typeface="Andale Mono" charset="0"/>
+                </a:rPr>
+                <a:t>cT</a:t>
+              </a:r>
+              <a:r>
+                <a:rPr lang="en-US" sz="2400" b="1" dirty="0" smtClean="0">
+                  <a:latin typeface="Andale Mono" charset="0"/>
+                  <a:ea typeface="Andale Mono" charset="0"/>
+                  <a:cs typeface="Andale Mono" charset="0"/>
+                </a:rPr>
+                <a:t>=XX</a:t>
+              </a:r>
+            </a:p>
+            <a:p>
+              <a:r>
+                <a:rPr lang="en-US" sz="2400" b="1" dirty="0" err="1" smtClean="0">
+                  <a:latin typeface="Andale Mono" charset="0"/>
+                  <a:ea typeface="Andale Mono" charset="0"/>
+                  <a:cs typeface="Andale Mono" charset="0"/>
+                </a:rPr>
+                <a:t>dT</a:t>
+              </a:r>
+              <a:r>
+                <a:rPr lang="en-US" sz="2400" b="1" dirty="0" smtClean="0">
+                  <a:latin typeface="Andale Mono" charset="0"/>
+                  <a:ea typeface="Andale Mono" charset="0"/>
+                  <a:cs typeface="Andale Mono" charset="0"/>
+                </a:rPr>
+                <a:t>=XX</a:t>
+              </a:r>
+              <a:endParaRPr lang="en-US" sz="2400" b="1" dirty="0">
+                <a:latin typeface="Andale Mono" charset="0"/>
+                <a:ea typeface="Andale Mono" charset="0"/>
+                <a:cs typeface="Andale Mono" charset="0"/>
+              </a:endParaRPr>
+            </a:p>
+          </p:txBody>
+        </p:sp>
+      </p:grpSp>
+      <p:sp>
+        <p:nvSpPr>
+          <p:cNvPr id="34" name="TextBox 33"/>
+          <p:cNvSpPr txBox="1"/>
+          <p:nvPr/>
+        </p:nvSpPr>
+        <p:spPr>
+          <a:xfrm>
+            <a:off x="5537271" y="4082271"/>
+            <a:ext cx="2882712" cy="369332"/>
+          </a:xfrm>
+          <a:prstGeom prst="rect">
+            <a:avLst/>
+          </a:prstGeom>
+          <a:noFill/>
+        </p:spPr>
+        <p:txBody>
+          <a:bodyPr wrap="none" rtlCol="0">
+            <a:spAutoFit/>
+          </a:bodyPr>
+          <a:lstStyle/>
+          <a:p>
+            <a:r>
+              <a:rPr lang="en-US" b="1" dirty="0" smtClean="0"/>
+              <a:t>BRAM Writer </a:t>
+            </a:r>
+            <a:r>
+              <a:rPr lang="en-US" b="1" smtClean="0"/>
+              <a:t>State Machine</a:t>
+            </a:r>
+            <a:endParaRPr lang="en-US" b="1" dirty="0"/>
+          </a:p>
+        </p:txBody>
+      </p:sp>
+      <p:grpSp>
+        <p:nvGrpSpPr>
+          <p:cNvPr id="38" name="Group 37"/>
+          <p:cNvGrpSpPr/>
+          <p:nvPr/>
+        </p:nvGrpSpPr>
+        <p:grpSpPr>
+          <a:xfrm>
+            <a:off x="353568" y="4725084"/>
+            <a:ext cx="4451587" cy="1388997"/>
+            <a:chOff x="2312838" y="4951440"/>
+            <a:chExt cx="4451587" cy="1388997"/>
+          </a:xfrm>
+        </p:grpSpPr>
+        <p:sp>
+          <p:nvSpPr>
+            <p:cNvPr id="35" name="TextBox 34"/>
+            <p:cNvSpPr txBox="1"/>
+            <p:nvPr/>
+          </p:nvSpPr>
+          <p:spPr>
+            <a:xfrm>
+              <a:off x="2540102" y="5971105"/>
+              <a:ext cx="3746538" cy="369332"/>
+            </a:xfrm>
+            <a:prstGeom prst="rect">
+              <a:avLst/>
+            </a:prstGeom>
+            <a:noFill/>
+          </p:spPr>
+          <p:txBody>
+            <a:bodyPr wrap="none" rtlCol="0">
+              <a:spAutoFit/>
+            </a:bodyPr>
+            <a:lstStyle/>
+            <a:p>
+              <a:r>
+                <a:rPr lang="en-US" b="1" dirty="0"/>
+                <a:t>D</a:t>
+              </a:r>
+              <a:r>
+                <a:rPr lang="en-US" b="1" dirty="0" smtClean="0"/>
+                <a:t>ecimal to two digit ASCII conversion</a:t>
+              </a:r>
+              <a:endParaRPr lang="en-US" b="1" dirty="0"/>
+            </a:p>
+          </p:txBody>
+        </p:sp>
+        <p:pic>
+          <p:nvPicPr>
+            <p:cNvPr id="36" name="Picture 35"/>
+            <p:cNvPicPr>
+              <a:picLocks noChangeAspect="1"/>
+            </p:cNvPicPr>
+            <p:nvPr/>
+          </p:nvPicPr>
+          <p:blipFill>
+            <a:blip r:embed="rId3">
+              <a:extLst>
+                <a:ext uri="{28A0092B-C50C-407E-A947-70E740481C1C}">
+                  <a14:useLocalDpi xmlns:a14="http://schemas.microsoft.com/office/drawing/2010/main" val="0"/>
+                </a:ext>
+              </a:extLst>
+            </a:blip>
+            <a:stretch>
+              <a:fillRect/>
+            </a:stretch>
+          </p:blipFill>
+          <p:spPr>
+            <a:xfrm>
+              <a:off x="2312838" y="4951440"/>
+              <a:ext cx="4451587" cy="537261"/>
+            </a:xfrm>
+            <a:prstGeom prst="rect">
+              <a:avLst/>
+            </a:prstGeom>
+          </p:spPr>
+        </p:pic>
+        <p:pic>
+          <p:nvPicPr>
+            <p:cNvPr id="37" name="Picture 36"/>
+            <p:cNvPicPr>
+              <a:picLocks noChangeAspect="1"/>
+            </p:cNvPicPr>
+            <p:nvPr/>
+          </p:nvPicPr>
+          <p:blipFill>
+            <a:blip r:embed="rId4">
+              <a:extLst>
+                <a:ext uri="{28A0092B-C50C-407E-A947-70E740481C1C}">
+                  <a14:useLocalDpi xmlns:a14="http://schemas.microsoft.com/office/drawing/2010/main" val="0"/>
+                </a:ext>
+              </a:extLst>
+            </a:blip>
+            <a:stretch>
+              <a:fillRect/>
+            </a:stretch>
+          </p:blipFill>
+          <p:spPr>
+            <a:xfrm>
+              <a:off x="2318200" y="5577054"/>
+              <a:ext cx="3458673" cy="275122"/>
+            </a:xfrm>
+            <a:prstGeom prst="rect">
+              <a:avLst/>
+            </a:prstGeom>
+          </p:spPr>
+        </p:pic>
+      </p:grpSp>
     </p:spTree>
     <p:extLst>
       <p:ext uri="{BB962C8B-B14F-4D97-AF65-F5344CB8AC3E}">
@@ -6254,7 +6878,7 @@
                   <a:schemeClr val="bg1"/>
                 </a:solidFill>
               </a:rPr>
-              <a:t>12/9/15</a:t>
+              <a:t>12/10/15</a:t>
             </a:fld>
             <a:endParaRPr lang="en-US" b="1" dirty="0">
               <a:solidFill>
@@ -6457,23 +7081,7 @@
                   <a:schemeClr val="bg1"/>
                 </a:solidFill>
               </a:rPr>
-              <a:t>ECE </a:t>
-            </a:r>
-            <a:r>
-              <a:rPr lang="en-US" b="1" dirty="0" smtClean="0">
-                <a:solidFill>
-                  <a:schemeClr val="bg1"/>
-                </a:solidFill>
-              </a:rPr>
-              <a:t>4401</a:t>
-            </a:r>
-            <a:r>
-              <a:rPr lang="en-US" b="1" dirty="0" smtClean="0">
-                <a:solidFill>
-                  <a:schemeClr val="bg1"/>
-                </a:solidFill>
-              </a:rPr>
-              <a:t> – Final Project</a:t>
+              <a:t>ECE 4401 – Final Project</a:t>
             </a:r>
             <a:endParaRPr lang="en-US" b="1" dirty="0">
               <a:solidFill>
@@ -7323,8 +7931,8 @@
         </p:nvSpPr>
         <p:spPr>
           <a:xfrm>
-            <a:off x="63801" y="4475454"/>
-            <a:ext cx="5028233" cy="1861725"/>
+            <a:off x="57806" y="4195973"/>
+            <a:ext cx="5028233" cy="2206136"/>
           </a:xfrm>
           <a:prstGeom prst="rect">
             <a:avLst/>
@@ -7332,7 +7940,7 @@
         </p:spPr>
         <p:txBody>
           <a:bodyPr vert="horz" lIns="91440" tIns="45720" rIns="91440" bIns="45720" rtlCol="0">
-            <a:normAutofit fontScale="92500"/>
+            <a:normAutofit lnSpcReduction="10000"/>
           </a:bodyPr>
           <a:lstStyle>
             <a:lvl1pPr marL="342900" indent="-342900" algn="l" defTabSz="914400" rtl="0" eaLnBrk="1" latinLnBrk="0" hangingPunct="1">
@@ -7565,9 +8173,9 @@
           <p:grpSpPr>
             <a:xfrm>
               <a:off x="206741" y="983729"/>
-              <a:ext cx="4898367" cy="2263464"/>
+              <a:ext cx="4898367" cy="2302981"/>
               <a:chOff x="387045" y="1031876"/>
-              <a:chExt cx="6070905" cy="2805276"/>
+              <a:chExt cx="6070905" cy="2854252"/>
             </a:xfrm>
           </p:grpSpPr>
           <p:pic>
@@ -7759,7 +8367,7 @@
             <p:spPr>
               <a:xfrm>
                 <a:off x="1067663" y="3313953"/>
-                <a:ext cx="2548070" cy="461665"/>
+                <a:ext cx="2015646" cy="572175"/>
               </a:xfrm>
               <a:prstGeom prst="rect">
                 <a:avLst/>
@@ -7774,7 +8382,7 @@
               <a:p>
                 <a:r>
                   <a:rPr lang="en-US" sz="2400" dirty="0" smtClean="0"/>
-                  <a:t>= fan speed output</a:t>
+                  <a:t>= fan speed</a:t>
                 </a:r>
                 <a:endParaRPr lang="en-US" sz="2400" dirty="0"/>
               </a:p>
@@ -7844,7 +8452,7 @@
         </p:nvSpPr>
         <p:spPr>
           <a:xfrm>
-            <a:off x="1735684" y="4142748"/>
+            <a:off x="1729689" y="3863267"/>
             <a:ext cx="1489190" cy="369332"/>
           </a:xfrm>
           <a:prstGeom prst="rect">
@@ -7977,7 +8585,7 @@
                   <a:schemeClr val="bg1"/>
                 </a:solidFill>
               </a:rPr>
-              <a:t>12/9/15</a:t>
+              <a:t>12/10/15</a:t>
             </a:fld>
             <a:endParaRPr lang="en-US" b="1" dirty="0">
               <a:solidFill>
@@ -8180,23 +8788,7 @@
                   <a:schemeClr val="bg1"/>
                 </a:solidFill>
               </a:rPr>
-              <a:t>ECE </a:t>
-            </a:r>
-            <a:r>
-              <a:rPr lang="en-US" b="1" dirty="0" smtClean="0">
-                <a:solidFill>
-                  <a:schemeClr val="bg1"/>
-                </a:solidFill>
-              </a:rPr>
-              <a:t>4401</a:t>
-            </a:r>
-            <a:r>
-              <a:rPr lang="en-US" b="1" dirty="0" smtClean="0">
-                <a:solidFill>
-                  <a:schemeClr val="bg1"/>
-                </a:solidFill>
-              </a:rPr>
-              <a:t> – Final Project</a:t>
+              <a:t>ECE 4401 – Final Project</a:t>
             </a:r>
             <a:endParaRPr lang="en-US" b="1" dirty="0">
               <a:solidFill>
@@ -8217,7 +8809,7 @@
         <p:spPr>
           <a:xfrm>
             <a:off x="5994419" y="1387874"/>
-            <a:ext cx="2984462" cy="4525963"/>
+            <a:ext cx="2984462" cy="5058440"/>
           </a:xfrm>
           <a:prstGeom prst="rect">
             <a:avLst/>
@@ -8377,7 +8969,53 @@
                 <a:ea typeface=""/>
                 <a:cs typeface=""/>
               </a:rPr>
-              <a:t>Set fan to 60% after 5 seconds and captured temperature data through serial port</a:t>
+              <a:t>Set fan to 60% after 5 seconds and </a:t>
+            </a:r>
+            <a:endParaRPr lang="en-US" sz="2400" dirty="0" smtClean="0">
+              <a:solidFill>
+                <a:sysClr val="windowText" lastClr="000000"/>
+              </a:solidFill>
+              <a:latin typeface="Calibri"/>
+              <a:ea typeface=""/>
+              <a:cs typeface=""/>
+            </a:endParaRPr>
+          </a:p>
+          <a:p>
+            <a:pPr>
+              <a:defRPr/>
+            </a:pPr>
+            <a:r>
+              <a:rPr lang="en-US" sz="2400" dirty="0">
+                <a:solidFill>
+                  <a:sysClr val="windowText" lastClr="000000"/>
+                </a:solidFill>
+                <a:latin typeface="Calibri"/>
+                <a:ea typeface=""/>
+                <a:cs typeface=""/>
+              </a:rPr>
+              <a:t>C</a:t>
+            </a:r>
+            <a:r>
+              <a:rPr lang="en-US" sz="2400" dirty="0" smtClean="0">
+                <a:solidFill>
+                  <a:sysClr val="windowText" lastClr="000000"/>
+                </a:solidFill>
+                <a:latin typeface="Calibri"/>
+                <a:ea typeface=""/>
+                <a:cs typeface=""/>
+              </a:rPr>
+              <a:t>aptured </a:t>
+            </a:r>
+            <a:r>
+              <a:rPr lang="en-US" sz="2400" dirty="0" smtClean="0">
+                <a:solidFill>
+                  <a:sysClr val="windowText" lastClr="000000"/>
+                </a:solidFill>
+                <a:latin typeface="Calibri"/>
+                <a:ea typeface=""/>
+                <a:cs typeface=""/>
+              </a:rPr>
+              <a:t>temperature data through serial port</a:t>
             </a:r>
           </a:p>
           <a:p>
@@ -8648,7 +9286,7 @@
                   <a:schemeClr val="bg1"/>
                 </a:solidFill>
               </a:rPr>
-              <a:t>12/9/15</a:t>
+              <a:t>12/10/15</a:t>
             </a:fld>
             <a:endParaRPr lang="en-US" b="1" dirty="0">
               <a:solidFill>
@@ -8806,7 +9444,18 @@
                 <a:ea typeface=""/>
                 <a:cs typeface=""/>
               </a:rPr>
-              <a:t>PID Design and Results</a:t>
+              <a:t>Controller Design </a:t>
+            </a:r>
+            <a:r>
+              <a:rPr lang="en-US" dirty="0" smtClean="0">
+                <a:solidFill>
+                  <a:sysClr val="windowText" lastClr="000000"/>
+                </a:solidFill>
+                <a:latin typeface="Calibri"/>
+                <a:ea typeface=""/>
+                <a:cs typeface=""/>
+              </a:rPr>
+              <a:t>and Results</a:t>
             </a:r>
             <a:endParaRPr kumimoji="0" lang="en-US" sz="4400" b="0" i="0" u="none" strike="noStrike" kern="1200" cap="none" spc="0" normalizeH="0" baseline="0" noProof="0" dirty="0">
               <a:ln>
@@ -8851,23 +9500,7 @@
                   <a:schemeClr val="bg1"/>
                 </a:solidFill>
               </a:rPr>
-              <a:t>ECE </a:t>
-            </a:r>
-            <a:r>
-              <a:rPr lang="en-US" b="1" dirty="0" smtClean="0">
-                <a:solidFill>
-                  <a:schemeClr val="bg1"/>
-                </a:solidFill>
-              </a:rPr>
-              <a:t>4401</a:t>
-            </a:r>
-            <a:r>
-              <a:rPr lang="en-US" b="1" dirty="0" smtClean="0">
-                <a:solidFill>
-                  <a:schemeClr val="bg1"/>
-                </a:solidFill>
-              </a:rPr>
-              <a:t> – Final Project</a:t>
+              <a:t>ECE 4401 – Final Project</a:t>
             </a:r>
             <a:endParaRPr lang="en-US" b="1" dirty="0">
               <a:solidFill>
@@ -8888,7 +9521,7 @@
         <p:spPr>
           <a:xfrm>
             <a:off x="5994419" y="1387874"/>
-            <a:ext cx="2984462" cy="4525963"/>
+            <a:ext cx="2984462" cy="5058440"/>
           </a:xfrm>
           <a:prstGeom prst="rect">
             <a:avLst/>
@@ -8896,7 +9529,7 @@
         </p:spPr>
         <p:txBody>
           <a:bodyPr vert="horz" lIns="91440" tIns="45720" rIns="91440" bIns="45720" rtlCol="0">
-            <a:normAutofit fontScale="92500" lnSpcReduction="10000"/>
+            <a:normAutofit lnSpcReduction="10000"/>
           </a:bodyPr>
           <a:lstStyle>
             <a:lvl1pPr marL="342900" indent="-342900" algn="l" defTabSz="914400" rtl="0" eaLnBrk="1" latinLnBrk="0" hangingPunct="1">
@@ -9556,7 +10189,7 @@
                   <a:schemeClr val="bg1"/>
                 </a:solidFill>
               </a:rPr>
-              <a:t>12/9/15</a:t>
+              <a:t>12/10/15</a:t>
             </a:fld>
             <a:endParaRPr lang="en-US" b="1" dirty="0">
               <a:solidFill>
@@ -9759,23 +10392,7 @@
                   <a:schemeClr val="bg1"/>
                 </a:solidFill>
               </a:rPr>
-              <a:t>ECE </a:t>
-            </a:r>
-            <a:r>
-              <a:rPr lang="en-US" b="1" dirty="0" smtClean="0">
-                <a:solidFill>
-                  <a:schemeClr val="bg1"/>
-                </a:solidFill>
-              </a:rPr>
-              <a:t>4401</a:t>
-            </a:r>
-            <a:r>
-              <a:rPr lang="en-US" b="1" dirty="0" smtClean="0">
-                <a:solidFill>
-                  <a:schemeClr val="bg1"/>
-                </a:solidFill>
-              </a:rPr>
-              <a:t> – Final Project</a:t>
+              <a:t>ECE 4401 – Final Project</a:t>
             </a:r>
             <a:endParaRPr lang="en-US" b="1" dirty="0">
               <a:solidFill>
@@ -10652,20 +11269,6 @@
               </a:rPr>
               <a:t>VGA</a:t>
             </a:r>
-            <a:endParaRPr kumimoji="0" lang="en-US" sz="3200" b="0" i="0" u="none" strike="noStrike" kern="1200" cap="none" spc="0" normalizeH="0" baseline="0" noProof="0" dirty="0">
-              <a:ln>
-                <a:noFill/>
-              </a:ln>
-              <a:solidFill>
-                <a:sysClr val="windowText" lastClr="000000"/>
-              </a:solidFill>
-              <a:effectLst/>
-              <a:uLnTx/>
-              <a:uFillTx/>
-              <a:latin typeface="Calibri"/>
-              <a:ea typeface=""/>
-              <a:cs typeface=""/>
-            </a:endParaRPr>
           </a:p>
         </p:txBody>
       </p:sp>
@@ -10695,23 +11298,7 @@
                   <a:schemeClr val="bg1"/>
                 </a:solidFill>
               </a:rPr>
-              <a:t>ECE </a:t>
-            </a:r>
-            <a:r>
-              <a:rPr lang="en-US" b="1" dirty="0" smtClean="0">
-                <a:solidFill>
-                  <a:schemeClr val="bg1"/>
-                </a:solidFill>
-              </a:rPr>
-              <a:t>4401</a:t>
-            </a:r>
-            <a:r>
-              <a:rPr lang="en-US" b="1" dirty="0" smtClean="0">
-                <a:solidFill>
-                  <a:schemeClr val="bg1"/>
-                </a:solidFill>
-              </a:rPr>
-              <a:t> – Final Project</a:t>
+              <a:t>ECE 4401 – Final Project</a:t>
             </a:r>
             <a:endParaRPr lang="en-US" b="1" dirty="0">
               <a:solidFill>
@@ -10832,7 +11419,7 @@
                   <a:schemeClr val="bg1"/>
                 </a:solidFill>
               </a:rPr>
-              <a:t>12/9/15</a:t>
+              <a:t>12/10/15</a:t>
             </a:fld>
             <a:endParaRPr lang="en-US" b="1" dirty="0">
               <a:solidFill>
@@ -10987,23 +11574,7 @@
                   <a:schemeClr val="bg1"/>
                 </a:solidFill>
               </a:rPr>
-              <a:t>ECE </a:t>
-            </a:r>
-            <a:r>
-              <a:rPr lang="en-US" b="1" dirty="0" smtClean="0">
-                <a:solidFill>
-                  <a:schemeClr val="bg1"/>
-                </a:solidFill>
-              </a:rPr>
-              <a:t>4401</a:t>
-            </a:r>
-            <a:r>
-              <a:rPr lang="en-US" b="1" dirty="0" smtClean="0">
-                <a:solidFill>
-                  <a:schemeClr val="bg1"/>
-                </a:solidFill>
-              </a:rPr>
-              <a:t> – Final Project</a:t>
+              <a:t>ECE 4401 – Final Project</a:t>
             </a:r>
             <a:endParaRPr lang="en-US" b="1" dirty="0">
               <a:solidFill>
@@ -11124,7 +11695,7 @@
                   <a:schemeClr val="bg1"/>
                 </a:solidFill>
               </a:rPr>
-              <a:t>12/9/15</a:t>
+              <a:t>12/10/15</a:t>
             </a:fld>
             <a:endParaRPr lang="en-US" b="1" dirty="0">
               <a:solidFill>
@@ -11610,23 +12181,7 @@
                   <a:schemeClr val="bg1"/>
                 </a:solidFill>
               </a:rPr>
-              <a:t>ECE </a:t>
-            </a:r>
-            <a:r>
-              <a:rPr lang="en-US" b="1" dirty="0" smtClean="0">
-                <a:solidFill>
-                  <a:schemeClr val="bg1"/>
-                </a:solidFill>
-              </a:rPr>
-              <a:t>4401</a:t>
-            </a:r>
-            <a:r>
-              <a:rPr lang="en-US" b="1" dirty="0" smtClean="0">
-                <a:solidFill>
-                  <a:schemeClr val="bg1"/>
-                </a:solidFill>
-              </a:rPr>
-              <a:t> – Final Project</a:t>
+              <a:t>ECE 4401 – Final Project</a:t>
             </a:r>
             <a:endParaRPr lang="en-US" b="1" dirty="0">
               <a:solidFill>
@@ -11747,7 +12302,7 @@
                   <a:schemeClr val="bg1"/>
                 </a:solidFill>
               </a:rPr>
-              <a:t>12/9/15</a:t>
+              <a:t>12/10/15</a:t>
             </a:fld>
             <a:endParaRPr lang="en-US" b="1" dirty="0">
               <a:solidFill>
@@ -12148,23 +12703,7 @@
                   <a:schemeClr val="bg1"/>
                 </a:solidFill>
               </a:rPr>
-              <a:t>ECE </a:t>
-            </a:r>
-            <a:r>
-              <a:rPr lang="en-US" b="1" dirty="0" smtClean="0">
-                <a:solidFill>
-                  <a:schemeClr val="bg1"/>
-                </a:solidFill>
-              </a:rPr>
-              <a:t>4401</a:t>
-            </a:r>
-            <a:r>
-              <a:rPr lang="en-US" b="1" dirty="0" smtClean="0">
-                <a:solidFill>
-                  <a:schemeClr val="bg1"/>
-                </a:solidFill>
-              </a:rPr>
-              <a:t> – Final Project</a:t>
+              <a:t>ECE 4401 – Final Project</a:t>
             </a:r>
             <a:endParaRPr lang="en-US" b="1" dirty="0">
               <a:solidFill>
@@ -12662,7 +13201,7 @@
             <a:pPr algn="ctr"/>
             <a:r>
               <a:rPr lang="en-US" dirty="0" smtClean="0"/>
-              <a:t>Up/Down Push Buttons</a:t>
+              <a:t>Push Buttons</a:t>
             </a:r>
             <a:endParaRPr lang="en-US" dirty="0"/>
           </a:p>
@@ -12751,7 +13290,7 @@
         <p:spPr>
           <a:xfrm>
             <a:off x="3863216" y="6082903"/>
-            <a:ext cx="1387111" cy="369332"/>
+            <a:ext cx="1417568" cy="369332"/>
           </a:xfrm>
           <a:prstGeom prst="rect">
             <a:avLst/>
@@ -12766,11 +13305,15 @@
           <a:p>
             <a:r>
               <a:rPr lang="en-US" dirty="0"/>
-              <a:t>o</a:t>
+              <a:t>O</a:t>
             </a:r>
             <a:r>
               <a:rPr lang="en-US" dirty="0" smtClean="0"/>
-              <a:t>n board I/O</a:t>
+              <a:t>n </a:t>
+            </a:r>
+            <a:r>
+              <a:rPr lang="en-US" dirty="0" smtClean="0"/>
+              <a:t>board I/O</a:t>
             </a:r>
             <a:endParaRPr lang="en-US" dirty="0"/>
           </a:p>
@@ -12887,7 +13430,7 @@
                   <a:schemeClr val="bg1"/>
                 </a:solidFill>
               </a:rPr>
-              <a:t>12/9/15</a:t>
+              <a:t>12/10/15</a:t>
             </a:fld>
             <a:endParaRPr lang="en-US" b="1" dirty="0">
               <a:solidFill>
@@ -13051,7 +13594,7 @@
                 <a:ea typeface=""/>
                 <a:cs typeface=""/>
               </a:rPr>
-              <a:t>High Level</a:t>
+              <a:t>High-Level</a:t>
             </a:r>
             <a:r>
               <a:rPr kumimoji="0" lang="en-US" sz="4400" b="0" i="0" u="none" strike="noStrike" kern="1200" cap="none" spc="0" normalizeH="0" noProof="0" dirty="0" smtClean="0">
@@ -13068,7 +13611,24 @@
                 <a:ea typeface=""/>
                 <a:cs typeface=""/>
               </a:rPr>
-              <a:t> VHDL Architecture</a:t>
+              <a:t> </a:t>
+            </a:r>
+            <a:r>
+              <a:rPr kumimoji="0" lang="en-US" sz="4400" b="0" i="0" u="none" strike="noStrike" kern="1200" cap="none" spc="0" normalizeH="0" noProof="0" dirty="0" smtClean="0">
+                <a:ln>
+                  <a:noFill/>
+                </a:ln>
+                <a:solidFill>
+                  <a:sysClr val="windowText" lastClr="000000"/>
+                </a:solidFill>
+                <a:effectLst/>
+                <a:uLnTx/>
+                <a:uFillTx/>
+                <a:latin typeface="Calibri"/>
+                <a:ea typeface=""/>
+                <a:cs typeface=""/>
+              </a:rPr>
+              <a:t>VHDL Architecture</a:t>
             </a:r>
             <a:endParaRPr kumimoji="0" lang="en-US" sz="4400" b="0" i="0" u="none" strike="noStrike" kern="1200" cap="none" spc="0" normalizeH="0" baseline="0" noProof="0" dirty="0">
               <a:ln>
@@ -13113,1749 +13673,7 @@
                   <a:schemeClr val="bg1"/>
                 </a:solidFill>
               </a:rPr>
-              <a:t>ECE </a:t>
-            </a:r>
-            <a:r>
-              <a:rPr lang="en-US" b="1" dirty="0" smtClean="0">
-                <a:solidFill>
-                  <a:schemeClr val="bg1"/>
-                </a:solidFill>
-              </a:rPr>
-              <a:t>4401</a:t>
-            </a:r>
-            <a:r>
-              <a:rPr lang="en-US" b="1" dirty="0" smtClean="0">
-                <a:solidFill>
-                  <a:schemeClr val="bg1"/>
-                </a:solidFill>
-              </a:rPr>
-              <a:t> – Final Project</a:t>
-            </a:r>
-            <a:endParaRPr lang="en-US" b="1" dirty="0">
-              <a:solidFill>
-                <a:schemeClr val="bg1"/>
-              </a:solidFill>
-            </a:endParaRPr>
-          </a:p>
-        </p:txBody>
-      </p:sp>
-      <p:grpSp>
-        <p:nvGrpSpPr>
-          <p:cNvPr id="71" name="Group 70"/>
-          <p:cNvGrpSpPr/>
-          <p:nvPr/>
-        </p:nvGrpSpPr>
-        <p:grpSpPr>
-          <a:xfrm>
-            <a:off x="233238" y="1495402"/>
-            <a:ext cx="8600176" cy="4280536"/>
-            <a:chOff x="233238" y="1495402"/>
-            <a:chExt cx="8600176" cy="4280536"/>
-          </a:xfrm>
-        </p:grpSpPr>
-        <p:sp>
-          <p:nvSpPr>
-            <p:cNvPr id="3" name="Rectangle 2"/>
-            <p:cNvSpPr/>
-            <p:nvPr/>
-          </p:nvSpPr>
-          <p:spPr>
-            <a:xfrm>
-              <a:off x="7045187" y="1495409"/>
-              <a:ext cx="1641613" cy="993920"/>
-            </a:xfrm>
-            <a:prstGeom prst="rect">
-              <a:avLst/>
-            </a:prstGeom>
-          </p:spPr>
-          <p:style>
-            <a:lnRef idx="2">
-              <a:schemeClr val="accent1">
-                <a:shade val="50000"/>
-              </a:schemeClr>
-            </a:lnRef>
-            <a:fillRef idx="1">
-              <a:schemeClr val="accent1"/>
-            </a:fillRef>
-            <a:effectRef idx="0">
-              <a:schemeClr val="accent1"/>
-            </a:effectRef>
-            <a:fontRef idx="minor">
-              <a:schemeClr val="lt1"/>
-            </a:fontRef>
-          </p:style>
-          <p:txBody>
-            <a:bodyPr rtlCol="0" anchor="ctr"/>
-            <a:lstStyle/>
-            <a:p>
-              <a:pPr algn="ctr"/>
-              <a:r>
-                <a:rPr lang="en-US" dirty="0" smtClean="0"/>
-                <a:t>VGA WB</a:t>
-              </a:r>
-              <a:endParaRPr lang="en-US" dirty="0"/>
-            </a:p>
-          </p:txBody>
-        </p:sp>
-        <p:sp>
-          <p:nvSpPr>
-            <p:cNvPr id="13" name="Rectangle 12"/>
-            <p:cNvSpPr/>
-            <p:nvPr/>
-          </p:nvSpPr>
-          <p:spPr>
-            <a:xfrm>
-              <a:off x="457200" y="1495409"/>
-              <a:ext cx="1641613" cy="993913"/>
-            </a:xfrm>
-            <a:prstGeom prst="rect">
-              <a:avLst/>
-            </a:prstGeom>
-          </p:spPr>
-          <p:style>
-            <a:lnRef idx="2">
-              <a:schemeClr val="accent1">
-                <a:shade val="50000"/>
-              </a:schemeClr>
-            </a:lnRef>
-            <a:fillRef idx="1">
-              <a:schemeClr val="accent1"/>
-            </a:fillRef>
-            <a:effectRef idx="0">
-              <a:schemeClr val="accent1"/>
-            </a:effectRef>
-            <a:fontRef idx="minor">
-              <a:schemeClr val="lt1"/>
-            </a:fontRef>
-          </p:style>
-          <p:txBody>
-            <a:bodyPr rtlCol="0" anchor="ctr"/>
-            <a:lstStyle/>
-            <a:p>
-              <a:pPr algn="ctr"/>
-              <a:r>
-                <a:rPr lang="en-US" dirty="0" smtClean="0"/>
-                <a:t>BRAM WB</a:t>
-              </a:r>
-              <a:endParaRPr lang="en-US" dirty="0"/>
-            </a:p>
-          </p:txBody>
-        </p:sp>
-        <p:sp>
-          <p:nvSpPr>
-            <p:cNvPr id="14" name="Rectangle 13"/>
-            <p:cNvSpPr/>
-            <p:nvPr/>
-          </p:nvSpPr>
-          <p:spPr>
-            <a:xfrm>
-              <a:off x="3751193" y="1495402"/>
-              <a:ext cx="1641613" cy="993920"/>
-            </a:xfrm>
-            <a:prstGeom prst="rect">
-              <a:avLst/>
-            </a:prstGeom>
-          </p:spPr>
-          <p:style>
-            <a:lnRef idx="2">
-              <a:schemeClr val="accent1">
-                <a:shade val="50000"/>
-              </a:schemeClr>
-            </a:lnRef>
-            <a:fillRef idx="1">
-              <a:schemeClr val="accent1"/>
-            </a:fillRef>
-            <a:effectRef idx="0">
-              <a:schemeClr val="accent1"/>
-            </a:effectRef>
-            <a:fontRef idx="minor">
-              <a:schemeClr val="lt1"/>
-            </a:fontRef>
-          </p:style>
-          <p:txBody>
-            <a:bodyPr rtlCol="0" anchor="ctr"/>
-            <a:lstStyle/>
-            <a:p>
-              <a:pPr algn="ctr"/>
-              <a:r>
-                <a:rPr lang="en-US" dirty="0" smtClean="0"/>
-                <a:t>Temperature Control Master</a:t>
-              </a:r>
-              <a:endParaRPr lang="en-US" dirty="0"/>
-            </a:p>
-          </p:txBody>
-        </p:sp>
-        <p:cxnSp>
-          <p:nvCxnSpPr>
-            <p:cNvPr id="15" name="Straight Arrow Connector 14"/>
-            <p:cNvCxnSpPr/>
-            <p:nvPr/>
-          </p:nvCxnSpPr>
-          <p:spPr>
-            <a:xfrm>
-              <a:off x="4571097" y="2489322"/>
-              <a:ext cx="1807" cy="640374"/>
-            </a:xfrm>
-            <a:prstGeom prst="straightConnector1">
-              <a:avLst/>
-            </a:prstGeom>
-            <a:ln w="28575">
-              <a:solidFill>
-                <a:schemeClr val="tx1"/>
-              </a:solidFill>
-              <a:headEnd w="lg" len="med"/>
-              <a:tailEnd type="triangle" w="lg" len="lg"/>
-            </a:ln>
-          </p:spPr>
-          <p:style>
-            <a:lnRef idx="1">
-              <a:schemeClr val="accent1"/>
-            </a:lnRef>
-            <a:fillRef idx="0">
-              <a:schemeClr val="accent1"/>
-            </a:fillRef>
-            <a:effectRef idx="0">
-              <a:schemeClr val="accent1"/>
-            </a:effectRef>
-            <a:fontRef idx="minor">
-              <a:schemeClr val="tx1"/>
-            </a:fontRef>
-          </p:style>
-        </p:cxnSp>
-        <p:sp>
-          <p:nvSpPr>
-            <p:cNvPr id="16" name="Rectangle 15"/>
-            <p:cNvSpPr/>
-            <p:nvPr/>
-          </p:nvSpPr>
-          <p:spPr>
-            <a:xfrm>
-              <a:off x="1526612" y="3160226"/>
-              <a:ext cx="1047691" cy="621890"/>
-            </a:xfrm>
-            <a:prstGeom prst="rect">
-              <a:avLst/>
-            </a:prstGeom>
-          </p:spPr>
-          <p:style>
-            <a:lnRef idx="2">
-              <a:schemeClr val="accent1">
-                <a:shade val="50000"/>
-              </a:schemeClr>
-            </a:lnRef>
-            <a:fillRef idx="1">
-              <a:schemeClr val="accent1"/>
-            </a:fillRef>
-            <a:effectRef idx="0">
-              <a:schemeClr val="accent1"/>
-            </a:effectRef>
-            <a:fontRef idx="minor">
-              <a:schemeClr val="lt1"/>
-            </a:fontRef>
-          </p:style>
-          <p:txBody>
-            <a:bodyPr rtlCol="0" anchor="ctr"/>
-            <a:lstStyle/>
-            <a:p>
-              <a:pPr algn="ctr"/>
-              <a:r>
-                <a:rPr lang="en-US" dirty="0" smtClean="0"/>
-                <a:t>Clock Divider</a:t>
-              </a:r>
-              <a:endParaRPr lang="en-US" dirty="0"/>
-            </a:p>
-          </p:txBody>
-        </p:sp>
-        <p:sp>
-          <p:nvSpPr>
-            <p:cNvPr id="20" name="Rectangle 19"/>
-            <p:cNvSpPr/>
-            <p:nvPr/>
-          </p:nvSpPr>
-          <p:spPr>
-            <a:xfrm>
-              <a:off x="362287" y="3160226"/>
-              <a:ext cx="1045568" cy="621890"/>
-            </a:xfrm>
-            <a:prstGeom prst="rect">
-              <a:avLst/>
-            </a:prstGeom>
-          </p:spPr>
-          <p:style>
-            <a:lnRef idx="2">
-              <a:schemeClr val="accent1">
-                <a:shade val="50000"/>
-              </a:schemeClr>
-            </a:lnRef>
-            <a:fillRef idx="1">
-              <a:schemeClr val="accent1"/>
-            </a:fillRef>
-            <a:effectRef idx="0">
-              <a:schemeClr val="accent1"/>
-            </a:effectRef>
-            <a:fontRef idx="minor">
-              <a:schemeClr val="lt1"/>
-            </a:fontRef>
-          </p:style>
-          <p:txBody>
-            <a:bodyPr rtlCol="0" anchor="ctr"/>
-            <a:lstStyle/>
-            <a:p>
-              <a:pPr algn="ctr"/>
-              <a:r>
-                <a:rPr lang="en-US" dirty="0" smtClean="0"/>
-                <a:t>Set point control</a:t>
-              </a:r>
-              <a:endParaRPr lang="en-US" dirty="0"/>
-            </a:p>
-          </p:txBody>
-        </p:sp>
-        <p:sp>
-          <p:nvSpPr>
-            <p:cNvPr id="21" name="Rectangle 20"/>
-            <p:cNvSpPr/>
-            <p:nvPr/>
-          </p:nvSpPr>
-          <p:spPr>
-            <a:xfrm>
-              <a:off x="2700876" y="3161593"/>
-              <a:ext cx="1220044" cy="621890"/>
-            </a:xfrm>
-            <a:prstGeom prst="rect">
-              <a:avLst/>
-            </a:prstGeom>
-          </p:spPr>
-          <p:style>
-            <a:lnRef idx="2">
-              <a:schemeClr val="accent1">
-                <a:shade val="50000"/>
-              </a:schemeClr>
-            </a:lnRef>
-            <a:fillRef idx="1">
-              <a:schemeClr val="accent1"/>
-            </a:fillRef>
-            <a:effectRef idx="0">
-              <a:schemeClr val="accent1"/>
-            </a:effectRef>
-            <a:fontRef idx="minor">
-              <a:schemeClr val="lt1"/>
-            </a:fontRef>
-          </p:style>
-          <p:txBody>
-            <a:bodyPr rtlCol="0" anchor="ctr"/>
-            <a:lstStyle/>
-            <a:p>
-              <a:pPr algn="ctr"/>
-              <a:r>
-                <a:rPr lang="en-US" dirty="0" err="1" smtClean="0"/>
-                <a:t>MemWrite</a:t>
-              </a:r>
-              <a:r>
-                <a:rPr lang="en-US" dirty="0" smtClean="0"/>
-                <a:t> WB</a:t>
-              </a:r>
-              <a:endParaRPr lang="en-US" dirty="0"/>
-            </a:p>
-          </p:txBody>
-        </p:sp>
-        <p:sp>
-          <p:nvSpPr>
-            <p:cNvPr id="22" name="Rectangle 21"/>
-            <p:cNvSpPr/>
-            <p:nvPr/>
-          </p:nvSpPr>
-          <p:spPr>
-            <a:xfrm>
-              <a:off x="4047493" y="3163825"/>
-              <a:ext cx="1045568" cy="621890"/>
-            </a:xfrm>
-            <a:prstGeom prst="rect">
-              <a:avLst/>
-            </a:prstGeom>
-          </p:spPr>
-          <p:style>
-            <a:lnRef idx="2">
-              <a:schemeClr val="accent1">
-                <a:shade val="50000"/>
-              </a:schemeClr>
-            </a:lnRef>
-            <a:fillRef idx="1">
-              <a:schemeClr val="accent1"/>
-            </a:fillRef>
-            <a:effectRef idx="0">
-              <a:schemeClr val="accent1"/>
-            </a:effectRef>
-            <a:fontRef idx="minor">
-              <a:schemeClr val="lt1"/>
-            </a:fontRef>
-          </p:style>
-          <p:txBody>
-            <a:bodyPr rtlCol="0" anchor="ctr"/>
-            <a:lstStyle/>
-            <a:p>
-              <a:pPr algn="ctr"/>
-              <a:r>
-                <a:rPr lang="en-US" dirty="0" smtClean="0"/>
-                <a:t>PID Control</a:t>
-              </a:r>
-              <a:endParaRPr lang="en-US" dirty="0"/>
-            </a:p>
-          </p:txBody>
-        </p:sp>
-        <p:sp>
-          <p:nvSpPr>
-            <p:cNvPr id="23" name="Rectangle 22"/>
-            <p:cNvSpPr/>
-            <p:nvPr/>
-          </p:nvSpPr>
-          <p:spPr>
-            <a:xfrm>
-              <a:off x="5258478" y="3150857"/>
-              <a:ext cx="1230653" cy="621890"/>
-            </a:xfrm>
-            <a:prstGeom prst="rect">
-              <a:avLst/>
-            </a:prstGeom>
-          </p:spPr>
-          <p:style>
-            <a:lnRef idx="2">
-              <a:schemeClr val="accent1">
-                <a:shade val="50000"/>
-              </a:schemeClr>
-            </a:lnRef>
-            <a:fillRef idx="1">
-              <a:schemeClr val="accent1"/>
-            </a:fillRef>
-            <a:effectRef idx="0">
-              <a:schemeClr val="accent1"/>
-            </a:effectRef>
-            <a:fontRef idx="minor">
-              <a:schemeClr val="lt1"/>
-            </a:fontRef>
-          </p:style>
-          <p:txBody>
-            <a:bodyPr rtlCol="0" anchor="ctr"/>
-            <a:lstStyle/>
-            <a:p>
-              <a:pPr algn="ctr"/>
-              <a:r>
-                <a:rPr lang="en-US" dirty="0" smtClean="0"/>
-                <a:t>Temp Sensor</a:t>
-              </a:r>
-              <a:endParaRPr lang="en-US" dirty="0"/>
-            </a:p>
-          </p:txBody>
-        </p:sp>
-        <p:sp>
-          <p:nvSpPr>
-            <p:cNvPr id="24" name="Rectangle 23"/>
-            <p:cNvSpPr/>
-            <p:nvPr/>
-          </p:nvSpPr>
-          <p:spPr>
-            <a:xfrm>
-              <a:off x="6615705" y="3161593"/>
-              <a:ext cx="1045568" cy="621890"/>
-            </a:xfrm>
-            <a:prstGeom prst="rect">
-              <a:avLst/>
-            </a:prstGeom>
-          </p:spPr>
-          <p:style>
-            <a:lnRef idx="2">
-              <a:schemeClr val="accent1">
-                <a:shade val="50000"/>
-              </a:schemeClr>
-            </a:lnRef>
-            <a:fillRef idx="1">
-              <a:schemeClr val="accent1"/>
-            </a:fillRef>
-            <a:effectRef idx="0">
-              <a:schemeClr val="accent1"/>
-            </a:effectRef>
-            <a:fontRef idx="minor">
-              <a:schemeClr val="lt1"/>
-            </a:fontRef>
-          </p:style>
-          <p:txBody>
-            <a:bodyPr rtlCol="0" anchor="ctr"/>
-            <a:lstStyle/>
-            <a:p>
-              <a:pPr algn="ctr"/>
-              <a:r>
-                <a:rPr lang="en-US" dirty="0" smtClean="0"/>
-                <a:t>PWM Interface</a:t>
-              </a:r>
-              <a:endParaRPr lang="en-US" dirty="0"/>
-            </a:p>
-          </p:txBody>
-        </p:sp>
-        <p:sp>
-          <p:nvSpPr>
-            <p:cNvPr id="25" name="Rectangle 24"/>
-            <p:cNvSpPr/>
-            <p:nvPr/>
-          </p:nvSpPr>
-          <p:spPr>
-            <a:xfrm>
-              <a:off x="7787846" y="3146879"/>
-              <a:ext cx="1045568" cy="621890"/>
-            </a:xfrm>
-            <a:prstGeom prst="rect">
-              <a:avLst/>
-            </a:prstGeom>
-          </p:spPr>
-          <p:style>
-            <a:lnRef idx="2">
-              <a:schemeClr val="accent1">
-                <a:shade val="50000"/>
-              </a:schemeClr>
-            </a:lnRef>
-            <a:fillRef idx="1">
-              <a:schemeClr val="accent1"/>
-            </a:fillRef>
-            <a:effectRef idx="0">
-              <a:schemeClr val="accent1"/>
-            </a:effectRef>
-            <a:fontRef idx="minor">
-              <a:schemeClr val="lt1"/>
-            </a:fontRef>
-          </p:style>
-          <p:txBody>
-            <a:bodyPr rtlCol="0" anchor="ctr"/>
-            <a:lstStyle/>
-            <a:p>
-              <a:pPr algn="ctr"/>
-              <a:r>
-                <a:rPr lang="en-US" dirty="0" smtClean="0"/>
-                <a:t>Serial </a:t>
-              </a:r>
-              <a:r>
-                <a:rPr lang="en-US" dirty="0" err="1" smtClean="0"/>
-                <a:t>Comm</a:t>
-              </a:r>
-              <a:endParaRPr lang="en-US" dirty="0"/>
-            </a:p>
-          </p:txBody>
-        </p:sp>
-        <p:sp>
-          <p:nvSpPr>
-            <p:cNvPr id="7" name="Rectangle 6"/>
-            <p:cNvSpPr/>
-            <p:nvPr/>
-          </p:nvSpPr>
-          <p:spPr>
-            <a:xfrm>
-              <a:off x="4064953" y="3792601"/>
-              <a:ext cx="237566" cy="369332"/>
-            </a:xfrm>
-            <a:prstGeom prst="rect">
-              <a:avLst/>
-            </a:prstGeom>
-          </p:spPr>
-          <p:txBody>
-            <a:bodyPr wrap="none">
-              <a:spAutoFit/>
-            </a:bodyPr>
-            <a:lstStyle/>
-            <a:p>
-              <a:r>
-                <a:rPr lang="en-US" dirty="0"/>
-                <a:t> </a:t>
-              </a:r>
-            </a:p>
-          </p:txBody>
-        </p:sp>
-        <p:sp>
-          <p:nvSpPr>
-            <p:cNvPr id="26" name="Rectangle 25"/>
-            <p:cNvSpPr/>
-            <p:nvPr/>
-          </p:nvSpPr>
-          <p:spPr>
-            <a:xfrm>
-              <a:off x="2224614" y="4161912"/>
-              <a:ext cx="1045568" cy="621890"/>
-            </a:xfrm>
-            <a:prstGeom prst="rect">
-              <a:avLst/>
-            </a:prstGeom>
-          </p:spPr>
-          <p:style>
-            <a:lnRef idx="2">
-              <a:schemeClr val="accent1">
-                <a:shade val="50000"/>
-              </a:schemeClr>
-            </a:lnRef>
-            <a:fillRef idx="1">
-              <a:schemeClr val="accent1"/>
-            </a:fillRef>
-            <a:effectRef idx="0">
-              <a:schemeClr val="accent1"/>
-            </a:effectRef>
-            <a:fontRef idx="minor">
-              <a:schemeClr val="lt1"/>
-            </a:fontRef>
-          </p:style>
-          <p:txBody>
-            <a:bodyPr rtlCol="0" anchor="ctr"/>
-            <a:lstStyle/>
-            <a:p>
-              <a:pPr algn="ctr"/>
-              <a:r>
-                <a:rPr lang="en-US" dirty="0" smtClean="0"/>
-                <a:t>Char8x12 LUT</a:t>
-              </a:r>
-              <a:endParaRPr lang="en-US" dirty="0"/>
-            </a:p>
-          </p:txBody>
-        </p:sp>
-        <p:sp>
-          <p:nvSpPr>
-            <p:cNvPr id="28" name="Rectangle 27"/>
-            <p:cNvSpPr/>
-            <p:nvPr/>
-          </p:nvSpPr>
-          <p:spPr>
-            <a:xfrm>
-              <a:off x="3442012" y="4151549"/>
-              <a:ext cx="1045568" cy="621890"/>
-            </a:xfrm>
-            <a:prstGeom prst="rect">
-              <a:avLst/>
-            </a:prstGeom>
-          </p:spPr>
-          <p:style>
-            <a:lnRef idx="2">
-              <a:schemeClr val="accent1">
-                <a:shade val="50000"/>
-              </a:schemeClr>
-            </a:lnRef>
-            <a:fillRef idx="1">
-              <a:schemeClr val="accent1"/>
-            </a:fillRef>
-            <a:effectRef idx="0">
-              <a:schemeClr val="accent1"/>
-            </a:effectRef>
-            <a:fontRef idx="minor">
-              <a:schemeClr val="lt1"/>
-            </a:fontRef>
-          </p:style>
-          <p:txBody>
-            <a:bodyPr rtlCol="0" anchor="ctr"/>
-            <a:lstStyle/>
-            <a:p>
-              <a:pPr algn="ctr"/>
-              <a:r>
-                <a:rPr lang="en-US" dirty="0" smtClean="0"/>
-                <a:t>Dec 2ascii</a:t>
-              </a:r>
-              <a:endParaRPr lang="en-US" dirty="0"/>
-            </a:p>
-          </p:txBody>
-        </p:sp>
-        <p:sp>
-          <p:nvSpPr>
-            <p:cNvPr id="29" name="Rectangle 28"/>
-            <p:cNvSpPr/>
-            <p:nvPr/>
-          </p:nvSpPr>
-          <p:spPr>
-            <a:xfrm>
-              <a:off x="310840" y="4151549"/>
-              <a:ext cx="1148461" cy="621890"/>
-            </a:xfrm>
-            <a:prstGeom prst="rect">
-              <a:avLst/>
-            </a:prstGeom>
-          </p:spPr>
-          <p:style>
-            <a:lnRef idx="2">
-              <a:schemeClr val="accent1">
-                <a:shade val="50000"/>
-              </a:schemeClr>
-            </a:lnRef>
-            <a:fillRef idx="1">
-              <a:schemeClr val="accent1"/>
-            </a:fillRef>
-            <a:effectRef idx="0">
-              <a:schemeClr val="accent1"/>
-            </a:effectRef>
-            <a:fontRef idx="minor">
-              <a:schemeClr val="lt1"/>
-            </a:fontRef>
-          </p:style>
-          <p:txBody>
-            <a:bodyPr rtlCol="0" anchor="ctr"/>
-            <a:lstStyle/>
-            <a:p>
-              <a:pPr algn="ctr"/>
-              <a:r>
-                <a:rPr lang="en-US" dirty="0" smtClean="0"/>
-                <a:t>OnePress</a:t>
-              </a:r>
-            </a:p>
-            <a:p>
-              <a:pPr algn="ctr"/>
-              <a:r>
-                <a:rPr lang="en-US" dirty="0" smtClean="0"/>
-                <a:t>Filter</a:t>
-              </a:r>
-              <a:endParaRPr lang="en-US" dirty="0"/>
-            </a:p>
-          </p:txBody>
-        </p:sp>
-        <p:sp>
-          <p:nvSpPr>
-            <p:cNvPr id="30" name="Rectangle 29"/>
-            <p:cNvSpPr/>
-            <p:nvPr/>
-          </p:nvSpPr>
-          <p:spPr>
-            <a:xfrm>
-              <a:off x="233238" y="5154048"/>
-              <a:ext cx="1303664" cy="621890"/>
-            </a:xfrm>
-            <a:prstGeom prst="rect">
-              <a:avLst/>
-            </a:prstGeom>
-          </p:spPr>
-          <p:style>
-            <a:lnRef idx="2">
-              <a:schemeClr val="accent1">
-                <a:shade val="50000"/>
-              </a:schemeClr>
-            </a:lnRef>
-            <a:fillRef idx="1">
-              <a:schemeClr val="accent1"/>
-            </a:fillRef>
-            <a:effectRef idx="0">
-              <a:schemeClr val="accent1"/>
-            </a:effectRef>
-            <a:fontRef idx="minor">
-              <a:schemeClr val="lt1"/>
-            </a:fontRef>
-          </p:style>
-          <p:txBody>
-            <a:bodyPr rtlCol="0" anchor="ctr"/>
-            <a:lstStyle/>
-            <a:p>
-              <a:pPr algn="ctr"/>
-              <a:r>
-                <a:rPr lang="en-US" dirty="0" smtClean="0"/>
-                <a:t>Debouncer</a:t>
-              </a:r>
-              <a:endParaRPr lang="en-US" dirty="0"/>
-            </a:p>
-          </p:txBody>
-        </p:sp>
-        <p:sp>
-          <p:nvSpPr>
-            <p:cNvPr id="31" name="Rectangle 30"/>
-            <p:cNvSpPr/>
-            <p:nvPr/>
-          </p:nvSpPr>
-          <p:spPr>
-            <a:xfrm>
-              <a:off x="5353050" y="4156513"/>
-              <a:ext cx="1045568" cy="621890"/>
-            </a:xfrm>
-            <a:prstGeom prst="rect">
-              <a:avLst/>
-            </a:prstGeom>
-          </p:spPr>
-          <p:style>
-            <a:lnRef idx="2">
-              <a:schemeClr val="accent1">
-                <a:shade val="50000"/>
-              </a:schemeClr>
-            </a:lnRef>
-            <a:fillRef idx="1">
-              <a:schemeClr val="accent1"/>
-            </a:fillRef>
-            <a:effectRef idx="0">
-              <a:schemeClr val="accent1"/>
-            </a:effectRef>
-            <a:fontRef idx="minor">
-              <a:schemeClr val="lt1"/>
-            </a:fontRef>
-          </p:style>
-          <p:txBody>
-            <a:bodyPr rtlCol="0" anchor="ctr"/>
-            <a:lstStyle/>
-            <a:p>
-              <a:pPr algn="ctr"/>
-              <a:r>
-                <a:rPr lang="en-US" dirty="0" smtClean="0"/>
-                <a:t>FPGA Monitor</a:t>
-              </a:r>
-              <a:endParaRPr lang="en-US" dirty="0"/>
-            </a:p>
-          </p:txBody>
-        </p:sp>
-        <p:sp>
-          <p:nvSpPr>
-            <p:cNvPr id="32" name="Rectangle 31"/>
-            <p:cNvSpPr/>
-            <p:nvPr/>
-          </p:nvSpPr>
-          <p:spPr>
-            <a:xfrm>
-              <a:off x="7787846" y="4163428"/>
-              <a:ext cx="1045568" cy="621890"/>
-            </a:xfrm>
-            <a:prstGeom prst="rect">
-              <a:avLst/>
-            </a:prstGeom>
-          </p:spPr>
-          <p:style>
-            <a:lnRef idx="2">
-              <a:schemeClr val="accent1">
-                <a:shade val="50000"/>
-              </a:schemeClr>
-            </a:lnRef>
-            <a:fillRef idx="1">
-              <a:schemeClr val="accent1"/>
-            </a:fillRef>
-            <a:effectRef idx="0">
-              <a:schemeClr val="accent1"/>
-            </a:effectRef>
-            <a:fontRef idx="minor">
-              <a:schemeClr val="lt1"/>
-            </a:fontRef>
-          </p:style>
-          <p:txBody>
-            <a:bodyPr rtlCol="0" anchor="ctr"/>
-            <a:lstStyle/>
-            <a:p>
-              <a:pPr algn="ctr"/>
-              <a:r>
-                <a:rPr lang="en-US" dirty="0" smtClean="0"/>
-                <a:t>UART</a:t>
-              </a:r>
-            </a:p>
-            <a:p>
-              <a:pPr algn="ctr"/>
-              <a:r>
-                <a:rPr lang="en-US" dirty="0" smtClean="0"/>
-                <a:t>library</a:t>
-              </a:r>
-              <a:endParaRPr lang="en-US" dirty="0"/>
-            </a:p>
-          </p:txBody>
-        </p:sp>
-        <p:cxnSp>
-          <p:nvCxnSpPr>
-            <p:cNvPr id="37" name="Straight Arrow Connector 36"/>
-            <p:cNvCxnSpPr/>
-            <p:nvPr/>
-          </p:nvCxnSpPr>
-          <p:spPr>
-            <a:xfrm>
-              <a:off x="5875834" y="2705905"/>
-              <a:ext cx="1807" cy="476607"/>
-            </a:xfrm>
-            <a:prstGeom prst="straightConnector1">
-              <a:avLst/>
-            </a:prstGeom>
-            <a:ln w="28575">
-              <a:solidFill>
-                <a:schemeClr val="tx1"/>
-              </a:solidFill>
-              <a:headEnd w="lg" len="med"/>
-              <a:tailEnd type="triangle" w="lg" len="lg"/>
-            </a:ln>
-          </p:spPr>
-          <p:style>
-            <a:lnRef idx="1">
-              <a:schemeClr val="accent1"/>
-            </a:lnRef>
-            <a:fillRef idx="0">
-              <a:schemeClr val="accent1"/>
-            </a:fillRef>
-            <a:effectRef idx="0">
-              <a:schemeClr val="accent1"/>
-            </a:effectRef>
-            <a:fontRef idx="minor">
-              <a:schemeClr val="tx1"/>
-            </a:fontRef>
-          </p:style>
-        </p:cxnSp>
-        <p:cxnSp>
-          <p:nvCxnSpPr>
-            <p:cNvPr id="39" name="Straight Arrow Connector 38"/>
-            <p:cNvCxnSpPr/>
-            <p:nvPr/>
-          </p:nvCxnSpPr>
-          <p:spPr>
-            <a:xfrm>
-              <a:off x="7181550" y="2683619"/>
-              <a:ext cx="1807" cy="476607"/>
-            </a:xfrm>
-            <a:prstGeom prst="straightConnector1">
-              <a:avLst/>
-            </a:prstGeom>
-            <a:ln w="28575">
-              <a:solidFill>
-                <a:schemeClr val="tx1"/>
-              </a:solidFill>
-              <a:headEnd w="lg" len="med"/>
-              <a:tailEnd type="triangle" w="lg" len="lg"/>
-            </a:ln>
-          </p:spPr>
-          <p:style>
-            <a:lnRef idx="1">
-              <a:schemeClr val="accent1"/>
-            </a:lnRef>
-            <a:fillRef idx="0">
-              <a:schemeClr val="accent1"/>
-            </a:fillRef>
-            <a:effectRef idx="0">
-              <a:schemeClr val="accent1"/>
-            </a:effectRef>
-            <a:fontRef idx="minor">
-              <a:schemeClr val="tx1"/>
-            </a:fontRef>
-          </p:style>
-        </p:cxnSp>
-        <p:cxnSp>
-          <p:nvCxnSpPr>
-            <p:cNvPr id="40" name="Straight Arrow Connector 39"/>
-            <p:cNvCxnSpPr/>
-            <p:nvPr/>
-          </p:nvCxnSpPr>
-          <p:spPr>
-            <a:xfrm>
-              <a:off x="8323882" y="2673478"/>
-              <a:ext cx="1807" cy="476607"/>
-            </a:xfrm>
-            <a:prstGeom prst="straightConnector1">
-              <a:avLst/>
-            </a:prstGeom>
-            <a:ln w="28575">
-              <a:solidFill>
-                <a:schemeClr val="tx1"/>
-              </a:solidFill>
-              <a:headEnd w="lg" len="med"/>
-              <a:tailEnd type="triangle" w="lg" len="lg"/>
-            </a:ln>
-          </p:spPr>
-          <p:style>
-            <a:lnRef idx="1">
-              <a:schemeClr val="accent1"/>
-            </a:lnRef>
-            <a:fillRef idx="0">
-              <a:schemeClr val="accent1"/>
-            </a:fillRef>
-            <a:effectRef idx="0">
-              <a:schemeClr val="accent1"/>
-            </a:effectRef>
-            <a:fontRef idx="minor">
-              <a:schemeClr val="tx1"/>
-            </a:fontRef>
-          </p:style>
-        </p:cxnSp>
-        <p:cxnSp>
-          <p:nvCxnSpPr>
-            <p:cNvPr id="41" name="Straight Arrow Connector 40"/>
-            <p:cNvCxnSpPr/>
-            <p:nvPr/>
-          </p:nvCxnSpPr>
-          <p:spPr>
-            <a:xfrm>
-              <a:off x="3392828" y="2697625"/>
-              <a:ext cx="1807" cy="476607"/>
-            </a:xfrm>
-            <a:prstGeom prst="straightConnector1">
-              <a:avLst/>
-            </a:prstGeom>
-            <a:ln w="28575">
-              <a:solidFill>
-                <a:schemeClr val="tx1"/>
-              </a:solidFill>
-              <a:headEnd w="lg" len="med"/>
-              <a:tailEnd type="triangle" w="lg" len="lg"/>
-            </a:ln>
-          </p:spPr>
-          <p:style>
-            <a:lnRef idx="1">
-              <a:schemeClr val="accent1"/>
-            </a:lnRef>
-            <a:fillRef idx="0">
-              <a:schemeClr val="accent1"/>
-            </a:fillRef>
-            <a:effectRef idx="0">
-              <a:schemeClr val="accent1"/>
-            </a:effectRef>
-            <a:fontRef idx="minor">
-              <a:schemeClr val="tx1"/>
-            </a:fontRef>
-          </p:style>
-        </p:cxnSp>
-        <p:cxnSp>
-          <p:nvCxnSpPr>
-            <p:cNvPr id="42" name="Straight Arrow Connector 41"/>
-            <p:cNvCxnSpPr/>
-            <p:nvPr/>
-          </p:nvCxnSpPr>
-          <p:spPr>
-            <a:xfrm>
-              <a:off x="2053462" y="2697652"/>
-              <a:ext cx="1807" cy="476607"/>
-            </a:xfrm>
-            <a:prstGeom prst="straightConnector1">
-              <a:avLst/>
-            </a:prstGeom>
-            <a:ln w="28575">
-              <a:solidFill>
-                <a:schemeClr val="tx1"/>
-              </a:solidFill>
-              <a:headEnd w="lg" len="med"/>
-              <a:tailEnd type="triangle" w="lg" len="lg"/>
-            </a:ln>
-          </p:spPr>
-          <p:style>
-            <a:lnRef idx="1">
-              <a:schemeClr val="accent1"/>
-            </a:lnRef>
-            <a:fillRef idx="0">
-              <a:schemeClr val="accent1"/>
-            </a:fillRef>
-            <a:effectRef idx="0">
-              <a:schemeClr val="accent1"/>
-            </a:effectRef>
-            <a:fontRef idx="minor">
-              <a:schemeClr val="tx1"/>
-            </a:fontRef>
-          </p:style>
-        </p:cxnSp>
-        <p:cxnSp>
-          <p:nvCxnSpPr>
-            <p:cNvPr id="43" name="Straight Arrow Connector 42"/>
-            <p:cNvCxnSpPr/>
-            <p:nvPr/>
-          </p:nvCxnSpPr>
-          <p:spPr>
-            <a:xfrm>
-              <a:off x="891425" y="2677419"/>
-              <a:ext cx="1807" cy="476607"/>
-            </a:xfrm>
-            <a:prstGeom prst="straightConnector1">
-              <a:avLst/>
-            </a:prstGeom>
-            <a:ln w="28575">
-              <a:solidFill>
-                <a:schemeClr val="tx1"/>
-              </a:solidFill>
-              <a:headEnd w="lg" len="med"/>
-              <a:tailEnd type="triangle" w="lg" len="lg"/>
-            </a:ln>
-          </p:spPr>
-          <p:style>
-            <a:lnRef idx="1">
-              <a:schemeClr val="accent1"/>
-            </a:lnRef>
-            <a:fillRef idx="0">
-              <a:schemeClr val="accent1"/>
-            </a:fillRef>
-            <a:effectRef idx="0">
-              <a:schemeClr val="accent1"/>
-            </a:effectRef>
-            <a:fontRef idx="minor">
-              <a:schemeClr val="tx1"/>
-            </a:fontRef>
-          </p:style>
-        </p:cxnSp>
-        <p:cxnSp>
-          <p:nvCxnSpPr>
-            <p:cNvPr id="44" name="Straight Arrow Connector 43"/>
-            <p:cNvCxnSpPr/>
-            <p:nvPr/>
-          </p:nvCxnSpPr>
-          <p:spPr>
-            <a:xfrm flipH="1">
-              <a:off x="885070" y="2690313"/>
-              <a:ext cx="7438812" cy="0"/>
-            </a:xfrm>
-            <a:prstGeom prst="straightConnector1">
-              <a:avLst/>
-            </a:prstGeom>
-            <a:ln w="28575">
-              <a:solidFill>
-                <a:schemeClr val="tx1"/>
-              </a:solidFill>
-              <a:headEnd w="lg" len="med"/>
-              <a:tailEnd type="none" w="lg" len="lg"/>
-            </a:ln>
-          </p:spPr>
-          <p:style>
-            <a:lnRef idx="1">
-              <a:schemeClr val="accent1"/>
-            </a:lnRef>
-            <a:fillRef idx="0">
-              <a:schemeClr val="accent1"/>
-            </a:fillRef>
-            <a:effectRef idx="0">
-              <a:schemeClr val="accent1"/>
-            </a:effectRef>
-            <a:fontRef idx="minor">
-              <a:schemeClr val="tx1"/>
-            </a:fontRef>
-          </p:style>
-        </p:cxnSp>
-        <p:cxnSp>
-          <p:nvCxnSpPr>
-            <p:cNvPr id="47" name="Straight Arrow Connector 46"/>
-            <p:cNvCxnSpPr>
-              <a:endCxn id="29" idx="0"/>
-            </p:cNvCxnSpPr>
-            <p:nvPr/>
-          </p:nvCxnSpPr>
-          <p:spPr>
-            <a:xfrm flipH="1">
-              <a:off x="885071" y="3805038"/>
-              <a:ext cx="7792" cy="346511"/>
-            </a:xfrm>
-            <a:prstGeom prst="straightConnector1">
-              <a:avLst/>
-            </a:prstGeom>
-            <a:ln w="28575">
-              <a:solidFill>
-                <a:schemeClr val="tx1"/>
-              </a:solidFill>
-              <a:headEnd w="lg" len="med"/>
-              <a:tailEnd type="triangle" w="lg" len="lg"/>
-            </a:ln>
-          </p:spPr>
-          <p:style>
-            <a:lnRef idx="1">
-              <a:schemeClr val="accent1"/>
-            </a:lnRef>
-            <a:fillRef idx="0">
-              <a:schemeClr val="accent1"/>
-            </a:fillRef>
-            <a:effectRef idx="0">
-              <a:schemeClr val="accent1"/>
-            </a:effectRef>
-            <a:fontRef idx="minor">
-              <a:schemeClr val="tx1"/>
-            </a:fontRef>
-          </p:style>
-        </p:cxnSp>
-        <p:cxnSp>
-          <p:nvCxnSpPr>
-            <p:cNvPr id="49" name="Straight Arrow Connector 48"/>
-            <p:cNvCxnSpPr/>
-            <p:nvPr/>
-          </p:nvCxnSpPr>
-          <p:spPr>
-            <a:xfrm>
-              <a:off x="2776002" y="3956695"/>
-              <a:ext cx="0" cy="206634"/>
-            </a:xfrm>
-            <a:prstGeom prst="straightConnector1">
-              <a:avLst/>
-            </a:prstGeom>
-            <a:ln w="28575">
-              <a:solidFill>
-                <a:schemeClr val="tx1"/>
-              </a:solidFill>
-              <a:headEnd w="lg" len="med"/>
-              <a:tailEnd type="triangle" w="lg" len="lg"/>
-            </a:ln>
-          </p:spPr>
-          <p:style>
-            <a:lnRef idx="1">
-              <a:schemeClr val="accent1"/>
-            </a:lnRef>
-            <a:fillRef idx="0">
-              <a:schemeClr val="accent1"/>
-            </a:fillRef>
-            <a:effectRef idx="0">
-              <a:schemeClr val="accent1"/>
-            </a:effectRef>
-            <a:fontRef idx="minor">
-              <a:schemeClr val="tx1"/>
-            </a:fontRef>
-          </p:style>
-        </p:cxnSp>
-        <p:cxnSp>
-          <p:nvCxnSpPr>
-            <p:cNvPr id="55" name="Straight Arrow Connector 54"/>
-            <p:cNvCxnSpPr/>
-            <p:nvPr/>
-          </p:nvCxnSpPr>
-          <p:spPr>
-            <a:xfrm>
-              <a:off x="3994485" y="3944915"/>
-              <a:ext cx="0" cy="206634"/>
-            </a:xfrm>
-            <a:prstGeom prst="straightConnector1">
-              <a:avLst/>
-            </a:prstGeom>
-            <a:ln w="28575">
-              <a:solidFill>
-                <a:schemeClr val="tx1"/>
-              </a:solidFill>
-              <a:headEnd w="lg" len="med"/>
-              <a:tailEnd type="triangle" w="lg" len="lg"/>
-            </a:ln>
-          </p:spPr>
-          <p:style>
-            <a:lnRef idx="1">
-              <a:schemeClr val="accent1"/>
-            </a:lnRef>
-            <a:fillRef idx="0">
-              <a:schemeClr val="accent1"/>
-            </a:fillRef>
-            <a:effectRef idx="0">
-              <a:schemeClr val="accent1"/>
-            </a:effectRef>
-            <a:fontRef idx="minor">
-              <a:schemeClr val="tx1"/>
-            </a:fontRef>
-          </p:style>
-        </p:cxnSp>
-        <p:cxnSp>
-          <p:nvCxnSpPr>
-            <p:cNvPr id="57" name="Straight Arrow Connector 56"/>
-            <p:cNvCxnSpPr/>
-            <p:nvPr/>
-          </p:nvCxnSpPr>
-          <p:spPr>
-            <a:xfrm flipH="1">
-              <a:off x="2760650" y="3944915"/>
-              <a:ext cx="1247087" cy="0"/>
-            </a:xfrm>
-            <a:prstGeom prst="straightConnector1">
-              <a:avLst/>
-            </a:prstGeom>
-            <a:ln w="28575">
-              <a:solidFill>
-                <a:schemeClr val="tx1"/>
-              </a:solidFill>
-              <a:headEnd w="lg" len="med"/>
-              <a:tailEnd type="none" w="lg" len="lg"/>
-            </a:ln>
-          </p:spPr>
-          <p:style>
-            <a:lnRef idx="1">
-              <a:schemeClr val="accent1"/>
-            </a:lnRef>
-            <a:fillRef idx="0">
-              <a:schemeClr val="accent1"/>
-            </a:fillRef>
-            <a:effectRef idx="0">
-              <a:schemeClr val="accent1"/>
-            </a:effectRef>
-            <a:fontRef idx="minor">
-              <a:schemeClr val="tx1"/>
-            </a:fontRef>
-          </p:style>
-        </p:cxnSp>
-        <p:cxnSp>
-          <p:nvCxnSpPr>
-            <p:cNvPr id="62" name="Straight Arrow Connector 61"/>
-            <p:cNvCxnSpPr/>
-            <p:nvPr/>
-          </p:nvCxnSpPr>
-          <p:spPr>
-            <a:xfrm>
-              <a:off x="3359807" y="3792601"/>
-              <a:ext cx="0" cy="152314"/>
-            </a:xfrm>
-            <a:prstGeom prst="straightConnector1">
-              <a:avLst/>
-            </a:prstGeom>
-            <a:ln w="28575">
-              <a:solidFill>
-                <a:schemeClr val="tx1"/>
-              </a:solidFill>
-              <a:headEnd w="lg" len="med"/>
-              <a:tailEnd type="none" w="lg" len="lg"/>
-            </a:ln>
-          </p:spPr>
-          <p:style>
-            <a:lnRef idx="1">
-              <a:schemeClr val="accent1"/>
-            </a:lnRef>
-            <a:fillRef idx="0">
-              <a:schemeClr val="accent1"/>
-            </a:fillRef>
-            <a:effectRef idx="0">
-              <a:schemeClr val="accent1"/>
-            </a:effectRef>
-            <a:fontRef idx="minor">
-              <a:schemeClr val="tx1"/>
-            </a:fontRef>
-          </p:style>
-        </p:cxnSp>
-        <p:cxnSp>
-          <p:nvCxnSpPr>
-            <p:cNvPr id="68" name="Straight Arrow Connector 67"/>
-            <p:cNvCxnSpPr/>
-            <p:nvPr/>
-          </p:nvCxnSpPr>
-          <p:spPr>
-            <a:xfrm flipH="1">
-              <a:off x="5887603" y="3798987"/>
-              <a:ext cx="7792" cy="346511"/>
-            </a:xfrm>
-            <a:prstGeom prst="straightConnector1">
-              <a:avLst/>
-            </a:prstGeom>
-            <a:ln w="28575">
-              <a:solidFill>
-                <a:schemeClr val="tx1"/>
-              </a:solidFill>
-              <a:headEnd w="lg" len="med"/>
-              <a:tailEnd type="triangle" w="lg" len="lg"/>
-            </a:ln>
-          </p:spPr>
-          <p:style>
-            <a:lnRef idx="1">
-              <a:schemeClr val="accent1"/>
-            </a:lnRef>
-            <a:fillRef idx="0">
-              <a:schemeClr val="accent1"/>
-            </a:fillRef>
-            <a:effectRef idx="0">
-              <a:schemeClr val="accent1"/>
-            </a:effectRef>
-            <a:fontRef idx="minor">
-              <a:schemeClr val="tx1"/>
-            </a:fontRef>
-          </p:style>
-        </p:cxnSp>
-        <p:cxnSp>
-          <p:nvCxnSpPr>
-            <p:cNvPr id="69" name="Straight Arrow Connector 68"/>
-            <p:cNvCxnSpPr/>
-            <p:nvPr/>
-          </p:nvCxnSpPr>
-          <p:spPr>
-            <a:xfrm flipH="1">
-              <a:off x="8323882" y="3805712"/>
-              <a:ext cx="7792" cy="346511"/>
-            </a:xfrm>
-            <a:prstGeom prst="straightConnector1">
-              <a:avLst/>
-            </a:prstGeom>
-            <a:ln w="28575">
-              <a:solidFill>
-                <a:schemeClr val="tx1"/>
-              </a:solidFill>
-              <a:headEnd w="lg" len="med"/>
-              <a:tailEnd type="triangle" w="lg" len="lg"/>
-            </a:ln>
-          </p:spPr>
-          <p:style>
-            <a:lnRef idx="1">
-              <a:schemeClr val="accent1"/>
-            </a:lnRef>
-            <a:fillRef idx="0">
-              <a:schemeClr val="accent1"/>
-            </a:fillRef>
-            <a:effectRef idx="0">
-              <a:schemeClr val="accent1"/>
-            </a:effectRef>
-            <a:fontRef idx="minor">
-              <a:schemeClr val="tx1"/>
-            </a:fontRef>
-          </p:style>
-        </p:cxnSp>
-        <p:cxnSp>
-          <p:nvCxnSpPr>
-            <p:cNvPr id="70" name="Straight Arrow Connector 69"/>
-            <p:cNvCxnSpPr/>
-            <p:nvPr/>
-          </p:nvCxnSpPr>
-          <p:spPr>
-            <a:xfrm flipH="1">
-              <a:off x="876245" y="4807537"/>
-              <a:ext cx="7792" cy="346511"/>
-            </a:xfrm>
-            <a:prstGeom prst="straightConnector1">
-              <a:avLst/>
-            </a:prstGeom>
-            <a:ln w="28575">
-              <a:solidFill>
-                <a:schemeClr val="tx1"/>
-              </a:solidFill>
-              <a:headEnd w="lg" len="med"/>
-              <a:tailEnd type="triangle" w="lg" len="lg"/>
-            </a:ln>
-          </p:spPr>
-          <p:style>
-            <a:lnRef idx="1">
-              <a:schemeClr val="accent1"/>
-            </a:lnRef>
-            <a:fillRef idx="0">
-              <a:schemeClr val="accent1"/>
-            </a:fillRef>
-            <a:effectRef idx="0">
-              <a:schemeClr val="accent1"/>
-            </a:effectRef>
-            <a:fontRef idx="minor">
-              <a:schemeClr val="tx1"/>
-            </a:fontRef>
-          </p:style>
-        </p:cxnSp>
-      </p:grpSp>
-    </p:spTree>
-    <p:extLst>
-      <p:ext uri="{BB962C8B-B14F-4D97-AF65-F5344CB8AC3E}">
-        <p14:creationId xmlns:p14="http://schemas.microsoft.com/office/powerpoint/2010/main" val="1941614047"/>
-      </p:ext>
-    </p:extLst>
-  </p:cSld>
-  <p:clrMapOvr>
-    <a:masterClrMapping/>
-  </p:clrMapOvr>
-  <p:timing>
-    <p:tnLst>
-      <p:par>
-        <p:cTn id="1" dur="indefinite" restart="never" nodeType="tmRoot"/>
-      </p:par>
-    </p:tnLst>
-  </p:timing>
-</p:sld>
-</file>
-
-<file path=ppt/slides/slide5.xml><?xml version="1.0" encoding="utf-8"?>
-<p:sld xmlns:a="http://schemas.openxmlformats.org/drawingml/2006/main" xmlns:r="http://schemas.openxmlformats.org/officeDocument/2006/relationships" xmlns:p="http://schemas.openxmlformats.org/presentationml/2006/main">
-  <p:cSld>
-    <p:spTree>
-      <p:nvGrpSpPr>
-        <p:cNvPr id="1" name=""/>
-        <p:cNvGrpSpPr/>
-        <p:nvPr/>
-      </p:nvGrpSpPr>
-      <p:grpSpPr>
-        <a:xfrm>
-          <a:off x="0" y="0"/>
-          <a:ext cx="0" cy="0"/>
-          <a:chOff x="0" y="0"/>
-          <a:chExt cx="0" cy="0"/>
-        </a:xfrm>
-      </p:grpSpPr>
-      <p:sp>
-        <p:nvSpPr>
-          <p:cNvPr id="4" name="Rectangle 3"/>
-          <p:cNvSpPr/>
-          <p:nvPr/>
-        </p:nvSpPr>
-        <p:spPr>
-          <a:xfrm>
-            <a:off x="0" y="6620719"/>
-            <a:ext cx="9144000" cy="237281"/>
-          </a:xfrm>
-          <a:prstGeom prst="rect">
-            <a:avLst/>
-          </a:prstGeom>
-          <a:solidFill>
-            <a:schemeClr val="accent1">
-              <a:lumMod val="50000"/>
-            </a:schemeClr>
-          </a:solidFill>
-          <a:ln>
-            <a:noFill/>
-          </a:ln>
-        </p:spPr>
-        <p:style>
-          <a:lnRef idx="2">
-            <a:schemeClr val="accent1">
-              <a:shade val="50000"/>
-            </a:schemeClr>
-          </a:lnRef>
-          <a:fillRef idx="1">
-            <a:schemeClr val="accent1"/>
-          </a:fillRef>
-          <a:effectRef idx="0">
-            <a:schemeClr val="accent1"/>
-          </a:effectRef>
-          <a:fontRef idx="minor">
-            <a:schemeClr val="lt1"/>
-          </a:fontRef>
-        </p:style>
-        <p:txBody>
-          <a:bodyPr rtlCol="0" anchor="ctr"/>
-          <a:lstStyle/>
-          <a:p>
-            <a:pPr algn="ctr"/>
-            <a:endParaRPr lang="en-US"/>
-          </a:p>
-        </p:txBody>
-      </p:sp>
-      <p:sp>
-        <p:nvSpPr>
-          <p:cNvPr id="6" name="Date Placeholder 5"/>
-          <p:cNvSpPr>
-            <a:spLocks noGrp="1"/>
-          </p:cNvSpPr>
-          <p:nvPr>
-            <p:ph type="dt" sz="half" idx="10"/>
-          </p:nvPr>
-        </p:nvSpPr>
-        <p:spPr>
-          <a:xfrm>
-            <a:off x="628650" y="6556795"/>
-            <a:ext cx="2057400" cy="365125"/>
-          </a:xfrm>
-        </p:spPr>
-        <p:txBody>
-          <a:bodyPr/>
-          <a:lstStyle/>
-          <a:p>
-            <a:fld id="{24B65400-96C4-654A-852D-676B551CB2EE}" type="datetime1">
-              <a:rPr lang="en-US" b="1" smtClean="0">
-                <a:solidFill>
-                  <a:schemeClr val="bg1"/>
-                </a:solidFill>
-              </a:rPr>
-              <a:t>12/9/15</a:t>
-            </a:fld>
-            <a:endParaRPr lang="en-US" b="1" dirty="0">
-              <a:solidFill>
-                <a:schemeClr val="bg1"/>
-              </a:solidFill>
-            </a:endParaRPr>
-          </a:p>
-        </p:txBody>
-      </p:sp>
-      <p:sp>
-        <p:nvSpPr>
-          <p:cNvPr id="8" name="Slide Number Placeholder 7"/>
-          <p:cNvSpPr>
-            <a:spLocks noGrp="1"/>
-          </p:cNvSpPr>
-          <p:nvPr>
-            <p:ph type="sldNum" sz="quarter" idx="12"/>
-          </p:nvPr>
-        </p:nvSpPr>
-        <p:spPr>
-          <a:xfrm>
-            <a:off x="6457950" y="6567718"/>
-            <a:ext cx="2057400" cy="365125"/>
-          </a:xfrm>
-        </p:spPr>
-        <p:txBody>
-          <a:bodyPr/>
-          <a:lstStyle/>
-          <a:p>
-            <a:fld id="{D847F88A-1E00-584B-9290-37B340A9F491}" type="slidenum">
-              <a:rPr lang="en-US" b="1" smtClean="0">
-                <a:solidFill>
-                  <a:schemeClr val="bg1"/>
-                </a:solidFill>
-              </a:rPr>
-              <a:t>5</a:t>
-            </a:fld>
-            <a:endParaRPr lang="en-US" b="1">
-              <a:solidFill>
-                <a:schemeClr val="bg1"/>
-              </a:solidFill>
-            </a:endParaRPr>
-          </a:p>
-        </p:txBody>
-      </p:sp>
-      <p:sp>
-        <p:nvSpPr>
-          <p:cNvPr id="9" name="Rectangle 8"/>
-          <p:cNvSpPr/>
-          <p:nvPr/>
-        </p:nvSpPr>
-        <p:spPr>
-          <a:xfrm>
-            <a:off x="0" y="798653"/>
-            <a:ext cx="9144000" cy="121153"/>
-          </a:xfrm>
-          <a:prstGeom prst="rect">
-            <a:avLst/>
-          </a:prstGeom>
-          <a:solidFill>
-            <a:schemeClr val="accent1">
-              <a:lumMod val="50000"/>
-            </a:schemeClr>
-          </a:solidFill>
-          <a:ln>
-            <a:noFill/>
-          </a:ln>
-        </p:spPr>
-        <p:style>
-          <a:lnRef idx="2">
-            <a:schemeClr val="accent1">
-              <a:shade val="50000"/>
-            </a:schemeClr>
-          </a:lnRef>
-          <a:fillRef idx="1">
-            <a:schemeClr val="accent1"/>
-          </a:fillRef>
-          <a:effectRef idx="0">
-            <a:schemeClr val="accent1"/>
-          </a:effectRef>
-          <a:fontRef idx="minor">
-            <a:schemeClr val="lt1"/>
-          </a:fontRef>
-        </p:style>
-        <p:txBody>
-          <a:bodyPr rtlCol="0" anchor="ctr"/>
-          <a:lstStyle/>
-          <a:p>
-            <a:pPr algn="ctr"/>
-            <a:endParaRPr lang="en-US"/>
-          </a:p>
-        </p:txBody>
-      </p:sp>
-      <p:sp>
-        <p:nvSpPr>
-          <p:cNvPr id="10" name="Title 1"/>
-          <p:cNvSpPr txBox="1">
-            <a:spLocks/>
-          </p:cNvSpPr>
-          <p:nvPr/>
-        </p:nvSpPr>
-        <p:spPr>
-          <a:xfrm>
-            <a:off x="457200" y="-112712"/>
-            <a:ext cx="8229600" cy="1143000"/>
-          </a:xfrm>
-          <a:prstGeom prst="rect">
-            <a:avLst/>
-          </a:prstGeom>
-        </p:spPr>
-        <p:txBody>
-          <a:bodyPr vert="horz" lIns="91440" tIns="45720" rIns="91440" bIns="45720" rtlCol="0" anchor="ctr">
-            <a:normAutofit/>
-          </a:bodyPr>
-          <a:lstStyle>
-            <a:lvl1pPr algn="ctr" defTabSz="914400" rtl="0" eaLnBrk="1" latinLnBrk="0" hangingPunct="1">
-              <a:spcBef>
-                <a:spcPct val="0"/>
-              </a:spcBef>
-              <a:buNone/>
-              <a:defRPr sz="4400" kern="1200">
-                <a:solidFill>
-                  <a:schemeClr val="tx1"/>
-                </a:solidFill>
-                <a:latin typeface="+mj-lt"/>
-                <a:ea typeface="+mj-ea"/>
-                <a:cs typeface="+mj-cs"/>
-              </a:defRPr>
-            </a:lvl1pPr>
-          </a:lstStyle>
-          <a:p>
-            <a:pPr marL="0" marR="0" lvl="0" indent="0" algn="ctr" defTabSz="914400" rtl="0" eaLnBrk="1" fontAlgn="auto" latinLnBrk="0" hangingPunct="1">
-              <a:lnSpc>
-                <a:spcPct val="100000"/>
-              </a:lnSpc>
-              <a:spcBef>
-                <a:spcPct val="0"/>
-              </a:spcBef>
-              <a:spcAft>
-                <a:spcPts val="0"/>
-              </a:spcAft>
-              <a:buClrTx/>
-              <a:buSzTx/>
-              <a:buFontTx/>
-              <a:buNone/>
-              <a:tabLst/>
-              <a:defRPr/>
-            </a:pPr>
-            <a:r>
-              <a:rPr kumimoji="0" lang="en-US" sz="4400" b="0" i="0" u="none" strike="noStrike" kern="1200" cap="none" spc="0" normalizeH="0" baseline="0" noProof="0" dirty="0" smtClean="0">
-                <a:ln>
-                  <a:noFill/>
-                </a:ln>
-                <a:solidFill>
-                  <a:sysClr val="windowText" lastClr="000000"/>
-                </a:solidFill>
-                <a:effectLst/>
-                <a:uLnTx/>
-                <a:uFillTx/>
-                <a:latin typeface="Calibri"/>
-                <a:ea typeface=""/>
-                <a:cs typeface=""/>
-              </a:rPr>
-              <a:t>Internal </a:t>
-            </a:r>
-            <a:r>
-              <a:rPr kumimoji="0" lang="en-US" sz="4400" b="0" i="0" u="none" strike="noStrike" kern="1200" cap="none" spc="0" normalizeH="0" noProof="0" dirty="0" smtClean="0">
-                <a:ln>
-                  <a:noFill/>
-                </a:ln>
-                <a:solidFill>
-                  <a:sysClr val="windowText" lastClr="000000"/>
-                </a:solidFill>
-                <a:effectLst/>
-                <a:uLnTx/>
-                <a:uFillTx/>
-                <a:latin typeface="Calibri"/>
-                <a:ea typeface=""/>
-                <a:cs typeface=""/>
-              </a:rPr>
-              <a:t>Data Flow</a:t>
-            </a:r>
-            <a:endParaRPr kumimoji="0" lang="en-US" sz="4400" b="0" i="0" u="none" strike="noStrike" kern="1200" cap="none" spc="0" normalizeH="0" baseline="0" noProof="0" dirty="0">
-              <a:ln>
-                <a:noFill/>
-              </a:ln>
-              <a:solidFill>
-                <a:sysClr val="windowText" lastClr="000000"/>
-              </a:solidFill>
-              <a:effectLst/>
-              <a:uLnTx/>
-              <a:uFillTx/>
-              <a:latin typeface="Calibri"/>
-              <a:ea typeface=""/>
-              <a:cs typeface=""/>
-            </a:endParaRPr>
-          </a:p>
-        </p:txBody>
-      </p:sp>
-      <p:sp>
-        <p:nvSpPr>
-          <p:cNvPr id="11" name="Footer Placeholder 6"/>
-          <p:cNvSpPr>
-            <a:spLocks noGrp="1"/>
-          </p:cNvSpPr>
-          <p:nvPr>
-            <p:ph type="ftr" sz="quarter" idx="11"/>
-          </p:nvPr>
-        </p:nvSpPr>
-        <p:spPr>
-          <a:xfrm>
-            <a:off x="3028950" y="6556796"/>
-            <a:ext cx="3086100" cy="365125"/>
-          </a:xfrm>
-        </p:spPr>
-        <p:txBody>
-          <a:bodyPr/>
-          <a:lstStyle/>
-          <a:p>
-            <a:r>
-              <a:rPr lang="en-US" b="1" dirty="0" smtClean="0">
-                <a:solidFill>
-                  <a:schemeClr val="bg1"/>
-                </a:solidFill>
-              </a:rPr>
-              <a:t>ECE </a:t>
-            </a:r>
-            <a:r>
-              <a:rPr lang="en-US" b="1" dirty="0" smtClean="0">
-                <a:solidFill>
-                  <a:schemeClr val="bg1"/>
-                </a:solidFill>
-              </a:rPr>
-              <a:t>4401</a:t>
-            </a:r>
-            <a:r>
-              <a:rPr lang="en-US" b="1" dirty="0" smtClean="0">
-                <a:solidFill>
-                  <a:schemeClr val="bg1"/>
-                </a:solidFill>
-              </a:rPr>
-              <a:t> – Final Project</a:t>
+              <a:t>ECE 4401 – Final Project</a:t>
             </a:r>
             <a:endParaRPr lang="en-US" b="1" dirty="0">
               <a:solidFill>
@@ -16234,6 +15052,383 @@
     </p:spTree>
     <p:extLst>
       <p:ext uri="{BB962C8B-B14F-4D97-AF65-F5344CB8AC3E}">
+        <p14:creationId xmlns:p14="http://schemas.microsoft.com/office/powerpoint/2010/main" val="1941614047"/>
+      </p:ext>
+    </p:extLst>
+  </p:cSld>
+  <p:clrMapOvr>
+    <a:masterClrMapping/>
+  </p:clrMapOvr>
+  <p:timing>
+    <p:tnLst>
+      <p:par>
+        <p:cTn id="1" dur="indefinite" restart="never" nodeType="tmRoot"/>
+      </p:par>
+    </p:tnLst>
+  </p:timing>
+</p:sld>
+</file>
+
+<file path=ppt/slides/slide5.xml><?xml version="1.0" encoding="utf-8"?>
+<p:sld xmlns:a="http://schemas.openxmlformats.org/drawingml/2006/main" xmlns:r="http://schemas.openxmlformats.org/officeDocument/2006/relationships" xmlns:p="http://schemas.openxmlformats.org/presentationml/2006/main">
+  <p:cSld>
+    <p:spTree>
+      <p:nvGrpSpPr>
+        <p:cNvPr id="1" name=""/>
+        <p:cNvGrpSpPr/>
+        <p:nvPr/>
+      </p:nvGrpSpPr>
+      <p:grpSpPr>
+        <a:xfrm>
+          <a:off x="0" y="0"/>
+          <a:ext cx="0" cy="0"/>
+          <a:chOff x="0" y="0"/>
+          <a:chExt cx="0" cy="0"/>
+        </a:xfrm>
+      </p:grpSpPr>
+      <p:sp>
+        <p:nvSpPr>
+          <p:cNvPr id="4" name="Rectangle 3"/>
+          <p:cNvSpPr/>
+          <p:nvPr/>
+        </p:nvSpPr>
+        <p:spPr>
+          <a:xfrm>
+            <a:off x="0" y="6620719"/>
+            <a:ext cx="9144000" cy="237281"/>
+          </a:xfrm>
+          <a:prstGeom prst="rect">
+            <a:avLst/>
+          </a:prstGeom>
+          <a:solidFill>
+            <a:schemeClr val="accent1">
+              <a:lumMod val="50000"/>
+            </a:schemeClr>
+          </a:solidFill>
+          <a:ln>
+            <a:noFill/>
+          </a:ln>
+        </p:spPr>
+        <p:style>
+          <a:lnRef idx="2">
+            <a:schemeClr val="accent1">
+              <a:shade val="50000"/>
+            </a:schemeClr>
+          </a:lnRef>
+          <a:fillRef idx="1">
+            <a:schemeClr val="accent1"/>
+          </a:fillRef>
+          <a:effectRef idx="0">
+            <a:schemeClr val="accent1"/>
+          </a:effectRef>
+          <a:fontRef idx="minor">
+            <a:schemeClr val="lt1"/>
+          </a:fontRef>
+        </p:style>
+        <p:txBody>
+          <a:bodyPr rtlCol="0" anchor="ctr"/>
+          <a:lstStyle/>
+          <a:p>
+            <a:pPr algn="ctr"/>
+            <a:endParaRPr lang="en-US"/>
+          </a:p>
+        </p:txBody>
+      </p:sp>
+      <p:sp>
+        <p:nvSpPr>
+          <p:cNvPr id="6" name="Date Placeholder 5"/>
+          <p:cNvSpPr>
+            <a:spLocks noGrp="1"/>
+          </p:cNvSpPr>
+          <p:nvPr>
+            <p:ph type="dt" sz="half" idx="10"/>
+          </p:nvPr>
+        </p:nvSpPr>
+        <p:spPr>
+          <a:xfrm>
+            <a:off x="628650" y="6556795"/>
+            <a:ext cx="2057400" cy="365125"/>
+          </a:xfrm>
+        </p:spPr>
+        <p:txBody>
+          <a:bodyPr/>
+          <a:lstStyle/>
+          <a:p>
+            <a:fld id="{24B65400-96C4-654A-852D-676B551CB2EE}" type="datetime1">
+              <a:rPr lang="en-US" b="1" smtClean="0">
+                <a:solidFill>
+                  <a:schemeClr val="bg1"/>
+                </a:solidFill>
+              </a:rPr>
+              <a:t>12/10/15</a:t>
+            </a:fld>
+            <a:endParaRPr lang="en-US" b="1" dirty="0">
+              <a:solidFill>
+                <a:schemeClr val="bg1"/>
+              </a:solidFill>
+            </a:endParaRPr>
+          </a:p>
+        </p:txBody>
+      </p:sp>
+      <p:sp>
+        <p:nvSpPr>
+          <p:cNvPr id="8" name="Slide Number Placeholder 7"/>
+          <p:cNvSpPr>
+            <a:spLocks noGrp="1"/>
+          </p:cNvSpPr>
+          <p:nvPr>
+            <p:ph type="sldNum" sz="quarter" idx="12"/>
+          </p:nvPr>
+        </p:nvSpPr>
+        <p:spPr>
+          <a:xfrm>
+            <a:off x="6457950" y="6567718"/>
+            <a:ext cx="2057400" cy="365125"/>
+          </a:xfrm>
+        </p:spPr>
+        <p:txBody>
+          <a:bodyPr/>
+          <a:lstStyle/>
+          <a:p>
+            <a:fld id="{D847F88A-1E00-584B-9290-37B340A9F491}" type="slidenum">
+              <a:rPr lang="en-US" b="1" smtClean="0">
+                <a:solidFill>
+                  <a:schemeClr val="bg1"/>
+                </a:solidFill>
+              </a:rPr>
+              <a:t>5</a:t>
+            </a:fld>
+            <a:endParaRPr lang="en-US" b="1">
+              <a:solidFill>
+                <a:schemeClr val="bg1"/>
+              </a:solidFill>
+            </a:endParaRPr>
+          </a:p>
+        </p:txBody>
+      </p:sp>
+      <p:sp>
+        <p:nvSpPr>
+          <p:cNvPr id="9" name="Rectangle 8"/>
+          <p:cNvSpPr/>
+          <p:nvPr/>
+        </p:nvSpPr>
+        <p:spPr>
+          <a:xfrm>
+            <a:off x="0" y="798653"/>
+            <a:ext cx="9144000" cy="121153"/>
+          </a:xfrm>
+          <a:prstGeom prst="rect">
+            <a:avLst/>
+          </a:prstGeom>
+          <a:solidFill>
+            <a:schemeClr val="accent1">
+              <a:lumMod val="50000"/>
+            </a:schemeClr>
+          </a:solidFill>
+          <a:ln>
+            <a:noFill/>
+          </a:ln>
+        </p:spPr>
+        <p:style>
+          <a:lnRef idx="2">
+            <a:schemeClr val="accent1">
+              <a:shade val="50000"/>
+            </a:schemeClr>
+          </a:lnRef>
+          <a:fillRef idx="1">
+            <a:schemeClr val="accent1"/>
+          </a:fillRef>
+          <a:effectRef idx="0">
+            <a:schemeClr val="accent1"/>
+          </a:effectRef>
+          <a:fontRef idx="minor">
+            <a:schemeClr val="lt1"/>
+          </a:fontRef>
+        </p:style>
+        <p:txBody>
+          <a:bodyPr rtlCol="0" anchor="ctr"/>
+          <a:lstStyle/>
+          <a:p>
+            <a:pPr algn="ctr"/>
+            <a:endParaRPr lang="en-US"/>
+          </a:p>
+        </p:txBody>
+      </p:sp>
+      <p:sp>
+        <p:nvSpPr>
+          <p:cNvPr id="10" name="Title 1"/>
+          <p:cNvSpPr txBox="1">
+            <a:spLocks/>
+          </p:cNvSpPr>
+          <p:nvPr/>
+        </p:nvSpPr>
+        <p:spPr>
+          <a:xfrm>
+            <a:off x="457200" y="-112712"/>
+            <a:ext cx="8229600" cy="1143000"/>
+          </a:xfrm>
+          <a:prstGeom prst="rect">
+            <a:avLst/>
+          </a:prstGeom>
+        </p:spPr>
+        <p:txBody>
+          <a:bodyPr vert="horz" lIns="91440" tIns="45720" rIns="91440" bIns="45720" rtlCol="0" anchor="ctr">
+            <a:normAutofit/>
+          </a:bodyPr>
+          <a:lstStyle>
+            <a:lvl1pPr algn="ctr" defTabSz="914400" rtl="0" eaLnBrk="1" latinLnBrk="0" hangingPunct="1">
+              <a:spcBef>
+                <a:spcPct val="0"/>
+              </a:spcBef>
+              <a:buNone/>
+              <a:defRPr sz="4400" kern="1200">
+                <a:solidFill>
+                  <a:schemeClr val="tx1"/>
+                </a:solidFill>
+                <a:latin typeface="+mj-lt"/>
+                <a:ea typeface="+mj-ea"/>
+                <a:cs typeface="+mj-cs"/>
+              </a:defRPr>
+            </a:lvl1pPr>
+          </a:lstStyle>
+          <a:p>
+            <a:pPr marL="0" marR="0" lvl="0" indent="0" algn="ctr" defTabSz="914400" rtl="0" eaLnBrk="1" fontAlgn="auto" latinLnBrk="0" hangingPunct="1">
+              <a:lnSpc>
+                <a:spcPct val="100000"/>
+              </a:lnSpc>
+              <a:spcBef>
+                <a:spcPct val="0"/>
+              </a:spcBef>
+              <a:spcAft>
+                <a:spcPts val="0"/>
+              </a:spcAft>
+              <a:buClrTx/>
+              <a:buSzTx/>
+              <a:buFontTx/>
+              <a:buNone/>
+              <a:tabLst/>
+              <a:defRPr/>
+            </a:pPr>
+            <a:r>
+              <a:rPr kumimoji="0" lang="en-US" sz="4400" b="0" i="0" u="none" strike="noStrike" kern="1200" cap="none" spc="0" normalizeH="0" baseline="0" noProof="0" dirty="0" smtClean="0">
+                <a:ln>
+                  <a:noFill/>
+                </a:ln>
+                <a:solidFill>
+                  <a:sysClr val="windowText" lastClr="000000"/>
+                </a:solidFill>
+                <a:effectLst/>
+                <a:uLnTx/>
+                <a:uFillTx/>
+                <a:latin typeface="Calibri"/>
+                <a:ea typeface=""/>
+                <a:cs typeface=""/>
+              </a:rPr>
+              <a:t>Internal </a:t>
+            </a:r>
+            <a:r>
+              <a:rPr kumimoji="0" lang="en-US" sz="4400" b="0" i="0" u="none" strike="noStrike" kern="1200" cap="none" spc="0" normalizeH="0" noProof="0" dirty="0" smtClean="0">
+                <a:ln>
+                  <a:noFill/>
+                </a:ln>
+                <a:solidFill>
+                  <a:sysClr val="windowText" lastClr="000000"/>
+                </a:solidFill>
+                <a:effectLst/>
+                <a:uLnTx/>
+                <a:uFillTx/>
+                <a:latin typeface="Calibri"/>
+                <a:ea typeface=""/>
+                <a:cs typeface=""/>
+              </a:rPr>
+              <a:t>Data Flow</a:t>
+            </a:r>
+            <a:endParaRPr kumimoji="0" lang="en-US" sz="4400" b="0" i="0" u="none" strike="noStrike" kern="1200" cap="none" spc="0" normalizeH="0" baseline="0" noProof="0" dirty="0">
+              <a:ln>
+                <a:noFill/>
+              </a:ln>
+              <a:solidFill>
+                <a:sysClr val="windowText" lastClr="000000"/>
+              </a:solidFill>
+              <a:effectLst/>
+              <a:uLnTx/>
+              <a:uFillTx/>
+              <a:latin typeface="Calibri"/>
+              <a:ea typeface=""/>
+              <a:cs typeface=""/>
+            </a:endParaRPr>
+          </a:p>
+        </p:txBody>
+      </p:sp>
+      <p:sp>
+        <p:nvSpPr>
+          <p:cNvPr id="11" name="Footer Placeholder 6"/>
+          <p:cNvSpPr>
+            <a:spLocks noGrp="1"/>
+          </p:cNvSpPr>
+          <p:nvPr>
+            <p:ph type="ftr" sz="quarter" idx="11"/>
+          </p:nvPr>
+        </p:nvSpPr>
+        <p:spPr>
+          <a:xfrm>
+            <a:off x="3028950" y="6556796"/>
+            <a:ext cx="3086100" cy="365125"/>
+          </a:xfrm>
+        </p:spPr>
+        <p:txBody>
+          <a:bodyPr/>
+          <a:lstStyle/>
+          <a:p>
+            <a:r>
+              <a:rPr lang="en-US" b="1" dirty="0" smtClean="0">
+                <a:solidFill>
+                  <a:schemeClr val="bg1"/>
+                </a:solidFill>
+              </a:rPr>
+              <a:t>ECE 4401 – Final Project</a:t>
+            </a:r>
+            <a:endParaRPr lang="en-US" b="1" dirty="0">
+              <a:solidFill>
+                <a:schemeClr val="bg1"/>
+              </a:solidFill>
+            </a:endParaRPr>
+          </a:p>
+        </p:txBody>
+      </p:sp>
+      <p:pic>
+        <p:nvPicPr>
+          <p:cNvPr id="2" name="Picture 1"/>
+          <p:cNvPicPr>
+            <a:picLocks noChangeAspect="1"/>
+          </p:cNvPicPr>
+          <p:nvPr/>
+        </p:nvPicPr>
+        <p:blipFill>
+          <a:blip r:embed="rId3">
+            <a:extLst>
+              <a:ext uri="{28A0092B-C50C-407E-A947-70E740481C1C}">
+                <a14:useLocalDpi xmlns:a14="http://schemas.microsoft.com/office/drawing/2010/main" val="0"/>
+              </a:ext>
+            </a:extLst>
+          </a:blip>
+          <a:stretch>
+            <a:fillRect/>
+          </a:stretch>
+        </p:blipFill>
+        <p:spPr>
+          <a:xfrm>
+            <a:off x="-11002" y="938622"/>
+            <a:ext cx="8654843" cy="5629096"/>
+          </a:xfrm>
+          <a:prstGeom prst="rect">
+            <a:avLst/>
+          </a:prstGeom>
+        </p:spPr>
+      </p:pic>
+    </p:spTree>
+    <p:extLst>
+      <p:ext uri="{BB962C8B-B14F-4D97-AF65-F5344CB8AC3E}">
         <p14:creationId xmlns:p14="http://schemas.microsoft.com/office/powerpoint/2010/main" val="229126836"/>
       </p:ext>
     </p:extLst>
@@ -16342,7 +15537,7 @@
                   <a:schemeClr val="bg1"/>
                 </a:solidFill>
               </a:rPr>
-              <a:t>12/9/15</a:t>
+              <a:t>12/10/15</a:t>
             </a:fld>
             <a:endParaRPr lang="en-US" b="1" dirty="0">
               <a:solidFill>
@@ -16545,23 +15740,7 @@
                   <a:schemeClr val="bg1"/>
                 </a:solidFill>
               </a:rPr>
-              <a:t>ECE </a:t>
-            </a:r>
-            <a:r>
-              <a:rPr lang="en-US" b="1" dirty="0" smtClean="0">
-                <a:solidFill>
-                  <a:schemeClr val="bg1"/>
-                </a:solidFill>
-              </a:rPr>
-              <a:t>4401</a:t>
-            </a:r>
-            <a:r>
-              <a:rPr lang="en-US" b="1" dirty="0" smtClean="0">
-                <a:solidFill>
-                  <a:schemeClr val="bg1"/>
-                </a:solidFill>
-              </a:rPr>
-              <a:t> – Final Project</a:t>
+              <a:t>ECE 4401 – Final Project</a:t>
             </a:r>
             <a:endParaRPr lang="en-US" b="1" dirty="0">
               <a:solidFill>
@@ -16573,7 +15752,7 @@
       </p:sp>
       <p:sp>
         <p:nvSpPr>
-          <p:cNvPr id="12" name="Content Placeholder 2"/>
+          <p:cNvPr id="26" name="Content Placeholder 2"/>
           <p:cNvSpPr txBox="1">
             <a:spLocks/>
           </p:cNvSpPr>
@@ -16581,8 +15760,8 @@
         </p:nvSpPr>
         <p:spPr>
           <a:xfrm>
-            <a:off x="457200" y="1447802"/>
-            <a:ext cx="8229600" cy="4525963"/>
+            <a:off x="5033748" y="3118011"/>
+            <a:ext cx="3918436" cy="3067589"/>
           </a:xfrm>
           <a:prstGeom prst="rect">
             <a:avLst/>
@@ -16590,7 +15769,7 @@
         </p:spPr>
         <p:txBody>
           <a:bodyPr vert="horz" lIns="91440" tIns="45720" rIns="91440" bIns="45720" rtlCol="0">
-            <a:normAutofit/>
+            <a:normAutofit fontScale="92500"/>
           </a:bodyPr>
           <a:lstStyle>
             <a:lvl1pPr marL="342900" indent="-342900" algn="l" defTabSz="914400" rtl="0" eaLnBrk="1" latinLnBrk="0" hangingPunct="1">
@@ -16734,45 +15913,7 @@
               <a:defRPr/>
             </a:pPr>
             <a:r>
-              <a:rPr lang="en-US" dirty="0" smtClean="0">
-                <a:solidFill>
-                  <a:sysClr val="windowText" lastClr="000000"/>
-                </a:solidFill>
-                <a:latin typeface="Calibri"/>
-                <a:ea typeface=""/>
-                <a:cs typeface=""/>
-              </a:rPr>
-              <a:t>Show logic for generating a </a:t>
-            </a:r>
-            <a:r>
-              <a:rPr lang="en-US" dirty="0" err="1" smtClean="0">
-                <a:solidFill>
-                  <a:sysClr val="windowText" lastClr="000000"/>
-                </a:solidFill>
-                <a:latin typeface="Calibri"/>
-                <a:ea typeface=""/>
-                <a:cs typeface=""/>
-              </a:rPr>
-              <a:t>pwm</a:t>
-            </a:r>
-            <a:r>
-              <a:rPr lang="en-US" dirty="0" smtClean="0">
-                <a:solidFill>
-                  <a:sysClr val="windowText" lastClr="000000"/>
-                </a:solidFill>
-                <a:latin typeface="Calibri"/>
-                <a:ea typeface=""/>
-                <a:cs typeface=""/>
-              </a:rPr>
-              <a:t> duty cycle signal from a %</a:t>
-            </a:r>
-          </a:p>
-          <a:p>
-            <a:pPr>
-              <a:defRPr/>
-            </a:pPr>
-            <a:r>
-              <a:rPr kumimoji="0" lang="en-US" sz="3200" b="0" i="0" u="none" strike="noStrike" kern="1200" cap="none" spc="0" normalizeH="0" baseline="0" noProof="0" dirty="0" smtClean="0">
+              <a:rPr kumimoji="0" lang="en-US" sz="2800" b="0" i="0" u="none" strike="noStrike" kern="1200" cap="none" spc="0" normalizeH="0" baseline="0" noProof="0" dirty="0" smtClean="0">
                 <a:ln>
                   <a:noFill/>
                 </a:ln>
@@ -16786,10 +15927,10 @@
                 <a:ea typeface=""/>
                 <a:cs typeface=""/>
               </a:rPr>
-              <a:t>Show motor</a:t>
-            </a:r>
-            <a:r>
-              <a:rPr kumimoji="0" lang="en-US" sz="3200" b="0" i="0" u="none" strike="noStrike" kern="1200" cap="none" spc="0" normalizeH="0" noProof="0" dirty="0" smtClean="0">
+              <a:t>Used</a:t>
+            </a:r>
+            <a:r>
+              <a:rPr kumimoji="0" lang="en-US" sz="2800" b="0" i="0" u="none" strike="noStrike" kern="1200" cap="none" spc="0" normalizeH="0" noProof="0" dirty="0" smtClean="0">
                 <a:ln>
                   <a:noFill/>
                 </a:ln>
@@ -16803,14 +15944,92 @@
                 <a:ea typeface=""/>
                 <a:cs typeface=""/>
               </a:rPr>
-              <a:t> driver schematic</a:t>
+              <a:t> </a:t>
+            </a:r>
+            <a:r>
+              <a:rPr lang="en-US" sz="2800" dirty="0" smtClean="0">
+                <a:solidFill>
+                  <a:sysClr val="windowText" lastClr="000000"/>
+                </a:solidFill>
+                <a:latin typeface="Calibri"/>
+                <a:ea typeface=""/>
+                <a:cs typeface=""/>
+              </a:rPr>
+              <a:t>XADC temperature sensor to measure the FPGA temperature</a:t>
             </a:r>
           </a:p>
           <a:p>
             <a:pPr>
               <a:defRPr/>
             </a:pPr>
-            <a:endParaRPr kumimoji="0" lang="en-US" sz="3200" b="0" i="0" u="none" strike="noStrike" kern="1200" cap="none" spc="0" normalizeH="0" baseline="0" noProof="0" dirty="0">
+            <a:r>
+              <a:rPr kumimoji="0" lang="en-US" sz="2800" b="0" i="0" u="none" strike="noStrike" kern="1200" cap="none" spc="0" normalizeH="0" baseline="0" noProof="0" dirty="0" smtClean="0">
+                <a:ln>
+                  <a:noFill/>
+                </a:ln>
+                <a:solidFill>
+                  <a:sysClr val="windowText" lastClr="000000"/>
+                </a:solidFill>
+                <a:effectLst/>
+                <a:uLnTx/>
+                <a:uFillTx/>
+                <a:latin typeface="Calibri"/>
+                <a:ea typeface=""/>
+                <a:cs typeface=""/>
+              </a:rPr>
+              <a:t>For now,</a:t>
+            </a:r>
+            <a:r>
+              <a:rPr kumimoji="0" lang="en-US" sz="2800" b="0" i="0" u="none" strike="noStrike" kern="1200" cap="none" spc="0" normalizeH="0" noProof="0" dirty="0" smtClean="0">
+                <a:ln>
+                  <a:noFill/>
+                </a:ln>
+                <a:solidFill>
+                  <a:sysClr val="windowText" lastClr="000000"/>
+                </a:solidFill>
+                <a:effectLst/>
+                <a:uLnTx/>
+                <a:uFillTx/>
+                <a:latin typeface="Calibri"/>
+                <a:ea typeface=""/>
+                <a:cs typeface=""/>
+              </a:rPr>
+              <a:t> truncated temperature at 8 bits.</a:t>
+            </a:r>
+          </a:p>
+          <a:p>
+            <a:pPr>
+              <a:defRPr/>
+            </a:pPr>
+            <a:r>
+              <a:rPr kumimoji="0" lang="en-US" sz="2800" b="0" i="0" u="none" strike="noStrike" kern="1200" cap="none" spc="0" normalizeH="0" noProof="0" dirty="0" smtClean="0">
+                <a:ln>
+                  <a:noFill/>
+                </a:ln>
+                <a:solidFill>
+                  <a:sysClr val="windowText" lastClr="000000"/>
+                </a:solidFill>
+                <a:effectLst/>
+                <a:uLnTx/>
+                <a:uFillTx/>
+                <a:latin typeface="Calibri"/>
+                <a:ea typeface=""/>
+                <a:cs typeface=""/>
+              </a:rPr>
+              <a:t>Can measure in 1</a:t>
+            </a:r>
+            <a:r>
+              <a:rPr lang="en-US" sz="2800" dirty="0" smtClean="0">
+                <a:solidFill>
+                  <a:sysClr val="windowText" lastClr="000000"/>
+                </a:solidFill>
+                <a:latin typeface="Calibri"/>
+                <a:ea typeface=""/>
+                <a:cs typeface=""/>
+              </a:rPr>
+              <a:t>˚C increments</a:t>
+            </a:r>
+            <a:endParaRPr kumimoji="0" lang="en-US" sz="2800" b="0" i="0" u="none" strike="noStrike" kern="1200" cap="none" spc="0" normalizeH="0" baseline="0" noProof="0" dirty="0">
               <a:ln>
                 <a:noFill/>
               </a:ln>
@@ -16824,6 +16043,675 @@
               <a:ea typeface=""/>
               <a:cs typeface=""/>
             </a:endParaRPr>
+          </a:p>
+        </p:txBody>
+      </p:sp>
+      <p:grpSp>
+        <p:nvGrpSpPr>
+          <p:cNvPr id="25" name="Group 24"/>
+          <p:cNvGrpSpPr/>
+          <p:nvPr/>
+        </p:nvGrpSpPr>
+        <p:grpSpPr>
+          <a:xfrm>
+            <a:off x="721179" y="1289138"/>
+            <a:ext cx="7965621" cy="1389861"/>
+            <a:chOff x="236328" y="1386287"/>
+            <a:chExt cx="7287660" cy="1271569"/>
+          </a:xfrm>
+        </p:grpSpPr>
+        <p:sp>
+          <p:nvSpPr>
+            <p:cNvPr id="2" name="Rectangle 1"/>
+            <p:cNvSpPr/>
+            <p:nvPr/>
+          </p:nvSpPr>
+          <p:spPr>
+            <a:xfrm>
+              <a:off x="914400" y="1463040"/>
+              <a:ext cx="1869186" cy="1182624"/>
+            </a:xfrm>
+            <a:prstGeom prst="rect">
+              <a:avLst/>
+            </a:prstGeom>
+          </p:spPr>
+          <p:style>
+            <a:lnRef idx="2">
+              <a:schemeClr val="accent1">
+                <a:shade val="50000"/>
+              </a:schemeClr>
+            </a:lnRef>
+            <a:fillRef idx="1">
+              <a:schemeClr val="accent1"/>
+            </a:fillRef>
+            <a:effectRef idx="0">
+              <a:schemeClr val="accent1"/>
+            </a:effectRef>
+            <a:fontRef idx="minor">
+              <a:schemeClr val="lt1"/>
+            </a:fontRef>
+          </p:style>
+          <p:txBody>
+            <a:bodyPr rtlCol="0" anchor="ctr"/>
+            <a:lstStyle/>
+            <a:p>
+              <a:pPr algn="ctr"/>
+              <a:r>
+                <a:rPr lang="en-US" dirty="0" err="1" smtClean="0"/>
+                <a:t>FPGAMonitor</a:t>
+              </a:r>
+              <a:endParaRPr lang="en-US" dirty="0"/>
+            </a:p>
+          </p:txBody>
+        </p:sp>
+        <p:cxnSp>
+          <p:nvCxnSpPr>
+            <p:cNvPr id="13" name="Straight Arrow Connector 12"/>
+            <p:cNvCxnSpPr/>
+            <p:nvPr/>
+          </p:nvCxnSpPr>
+          <p:spPr>
+            <a:xfrm>
+              <a:off x="238852" y="1755619"/>
+              <a:ext cx="675548" cy="0"/>
+            </a:xfrm>
+            <a:prstGeom prst="straightConnector1">
+              <a:avLst/>
+            </a:prstGeom>
+            <a:ln w="28575">
+              <a:solidFill>
+                <a:schemeClr val="tx1"/>
+              </a:solidFill>
+              <a:headEnd w="lg" len="med"/>
+              <a:tailEnd type="triangle" w="lg" len="lg"/>
+            </a:ln>
+          </p:spPr>
+          <p:style>
+            <a:lnRef idx="1">
+              <a:schemeClr val="accent1"/>
+            </a:lnRef>
+            <a:fillRef idx="0">
+              <a:schemeClr val="accent1"/>
+            </a:fillRef>
+            <a:effectRef idx="0">
+              <a:schemeClr val="accent1"/>
+            </a:effectRef>
+            <a:fontRef idx="minor">
+              <a:schemeClr val="tx1"/>
+            </a:fontRef>
+          </p:style>
+        </p:cxnSp>
+        <p:sp>
+          <p:nvSpPr>
+            <p:cNvPr id="5" name="TextBox 4"/>
+            <p:cNvSpPr txBox="1"/>
+            <p:nvPr/>
+          </p:nvSpPr>
+          <p:spPr>
+            <a:xfrm>
+              <a:off x="356854" y="1386287"/>
+              <a:ext cx="439544" cy="369332"/>
+            </a:xfrm>
+            <a:prstGeom prst="rect">
+              <a:avLst/>
+            </a:prstGeom>
+            <a:noFill/>
+          </p:spPr>
+          <p:txBody>
+            <a:bodyPr wrap="none" rtlCol="0">
+              <a:spAutoFit/>
+            </a:bodyPr>
+            <a:lstStyle/>
+            <a:p>
+              <a:r>
+                <a:rPr lang="en-US" smtClean="0"/>
+                <a:t>clk</a:t>
+              </a:r>
+              <a:endParaRPr lang="en-US" dirty="0"/>
+            </a:p>
+          </p:txBody>
+        </p:sp>
+        <p:cxnSp>
+          <p:nvCxnSpPr>
+            <p:cNvPr id="17" name="Straight Arrow Connector 16"/>
+            <p:cNvCxnSpPr/>
+            <p:nvPr/>
+          </p:nvCxnSpPr>
+          <p:spPr>
+            <a:xfrm>
+              <a:off x="236328" y="2310985"/>
+              <a:ext cx="675548" cy="0"/>
+            </a:xfrm>
+            <a:prstGeom prst="straightConnector1">
+              <a:avLst/>
+            </a:prstGeom>
+            <a:ln w="28575">
+              <a:solidFill>
+                <a:schemeClr val="tx1"/>
+              </a:solidFill>
+              <a:headEnd w="lg" len="med"/>
+              <a:tailEnd type="triangle" w="lg" len="lg"/>
+            </a:ln>
+          </p:spPr>
+          <p:style>
+            <a:lnRef idx="1">
+              <a:schemeClr val="accent1"/>
+            </a:lnRef>
+            <a:fillRef idx="0">
+              <a:schemeClr val="accent1"/>
+            </a:fillRef>
+            <a:effectRef idx="0">
+              <a:schemeClr val="accent1"/>
+            </a:effectRef>
+            <a:fontRef idx="minor">
+              <a:schemeClr val="tx1"/>
+            </a:fontRef>
+          </p:style>
+        </p:cxnSp>
+        <p:sp>
+          <p:nvSpPr>
+            <p:cNvPr id="18" name="TextBox 17"/>
+            <p:cNvSpPr txBox="1"/>
+            <p:nvPr/>
+          </p:nvSpPr>
+          <p:spPr>
+            <a:xfrm>
+              <a:off x="342138" y="1941653"/>
+              <a:ext cx="425053" cy="369332"/>
+            </a:xfrm>
+            <a:prstGeom prst="rect">
+              <a:avLst/>
+            </a:prstGeom>
+            <a:noFill/>
+          </p:spPr>
+          <p:txBody>
+            <a:bodyPr wrap="none" rtlCol="0">
+              <a:spAutoFit/>
+            </a:bodyPr>
+            <a:lstStyle/>
+            <a:p>
+              <a:r>
+                <a:rPr lang="en-US" dirty="0" err="1" smtClean="0"/>
+                <a:t>rst</a:t>
+              </a:r>
+              <a:endParaRPr lang="en-US" dirty="0"/>
+            </a:p>
+          </p:txBody>
+        </p:sp>
+        <p:cxnSp>
+          <p:nvCxnSpPr>
+            <p:cNvPr id="19" name="Straight Arrow Connector 18"/>
+            <p:cNvCxnSpPr/>
+            <p:nvPr/>
+          </p:nvCxnSpPr>
+          <p:spPr>
+            <a:xfrm>
+              <a:off x="2783586" y="2048227"/>
+              <a:ext cx="1119217" cy="0"/>
+            </a:xfrm>
+            <a:prstGeom prst="straightConnector1">
+              <a:avLst/>
+            </a:prstGeom>
+            <a:ln w="28575">
+              <a:solidFill>
+                <a:schemeClr val="tx1"/>
+              </a:solidFill>
+              <a:headEnd w="lg" len="med"/>
+              <a:tailEnd type="triangle" w="lg" len="lg"/>
+            </a:ln>
+          </p:spPr>
+          <p:style>
+            <a:lnRef idx="1">
+              <a:schemeClr val="accent1"/>
+            </a:lnRef>
+            <a:fillRef idx="0">
+              <a:schemeClr val="accent1"/>
+            </a:fillRef>
+            <a:effectRef idx="0">
+              <a:schemeClr val="accent1"/>
+            </a:effectRef>
+            <a:fontRef idx="minor">
+              <a:schemeClr val="tx1"/>
+            </a:fontRef>
+          </p:style>
+        </p:cxnSp>
+        <p:sp>
+          <p:nvSpPr>
+            <p:cNvPr id="20" name="TextBox 19"/>
+            <p:cNvSpPr txBox="1"/>
+            <p:nvPr/>
+          </p:nvSpPr>
+          <p:spPr>
+            <a:xfrm>
+              <a:off x="2783586" y="1646505"/>
+              <a:ext cx="1119217" cy="369332"/>
+            </a:xfrm>
+            <a:prstGeom prst="rect">
+              <a:avLst/>
+            </a:prstGeom>
+            <a:noFill/>
+          </p:spPr>
+          <p:txBody>
+            <a:bodyPr wrap="none" rtlCol="0">
+              <a:spAutoFit/>
+            </a:bodyPr>
+            <a:lstStyle/>
+            <a:p>
+              <a:r>
+                <a:rPr lang="en-US" smtClean="0"/>
+                <a:t>ADC Code</a:t>
+              </a:r>
+              <a:endParaRPr lang="en-US" dirty="0"/>
+            </a:p>
+          </p:txBody>
+        </p:sp>
+        <p:sp>
+          <p:nvSpPr>
+            <p:cNvPr id="22" name="Rectangle 21"/>
+            <p:cNvSpPr/>
+            <p:nvPr/>
+          </p:nvSpPr>
+          <p:spPr>
+            <a:xfrm>
+              <a:off x="3902803" y="1475232"/>
+              <a:ext cx="1869186" cy="1182624"/>
+            </a:xfrm>
+            <a:prstGeom prst="rect">
+              <a:avLst/>
+            </a:prstGeom>
+          </p:spPr>
+          <p:style>
+            <a:lnRef idx="2">
+              <a:schemeClr val="accent1">
+                <a:shade val="50000"/>
+              </a:schemeClr>
+            </a:lnRef>
+            <a:fillRef idx="1">
+              <a:schemeClr val="accent1"/>
+            </a:fillRef>
+            <a:effectRef idx="0">
+              <a:schemeClr val="accent1"/>
+            </a:effectRef>
+            <a:fontRef idx="minor">
+              <a:schemeClr val="lt1"/>
+            </a:fontRef>
+          </p:style>
+          <p:txBody>
+            <a:bodyPr rtlCol="0" anchor="ctr"/>
+            <a:lstStyle/>
+            <a:p>
+              <a:pPr algn="ctr"/>
+              <a:r>
+                <a:rPr lang="en-US" dirty="0" smtClean="0"/>
+                <a:t>Temperature</a:t>
+              </a:r>
+            </a:p>
+            <a:p>
+              <a:pPr algn="ctr"/>
+              <a:r>
+                <a:rPr lang="en-US" dirty="0" smtClean="0"/>
+                <a:t>Sensor Module</a:t>
+              </a:r>
+              <a:endParaRPr lang="en-US" dirty="0"/>
+            </a:p>
+          </p:txBody>
+        </p:sp>
+        <p:cxnSp>
+          <p:nvCxnSpPr>
+            <p:cNvPr id="23" name="Straight Arrow Connector 22"/>
+            <p:cNvCxnSpPr/>
+            <p:nvPr/>
+          </p:nvCxnSpPr>
+          <p:spPr>
+            <a:xfrm>
+              <a:off x="5771989" y="2066544"/>
+              <a:ext cx="1692546" cy="0"/>
+            </a:xfrm>
+            <a:prstGeom prst="straightConnector1">
+              <a:avLst/>
+            </a:prstGeom>
+            <a:ln w="28575">
+              <a:solidFill>
+                <a:schemeClr val="tx1"/>
+              </a:solidFill>
+              <a:headEnd w="lg" len="med"/>
+              <a:tailEnd type="triangle" w="lg" len="lg"/>
+            </a:ln>
+          </p:spPr>
+          <p:style>
+            <a:lnRef idx="1">
+              <a:schemeClr val="accent1"/>
+            </a:lnRef>
+            <a:fillRef idx="0">
+              <a:schemeClr val="accent1"/>
+            </a:fillRef>
+            <a:effectRef idx="0">
+              <a:schemeClr val="accent1"/>
+            </a:effectRef>
+            <a:fontRef idx="minor">
+              <a:schemeClr val="tx1"/>
+            </a:fontRef>
+          </p:style>
+        </p:cxnSp>
+        <p:sp>
+          <p:nvSpPr>
+            <p:cNvPr id="24" name="TextBox 23"/>
+            <p:cNvSpPr txBox="1"/>
+            <p:nvPr/>
+          </p:nvSpPr>
+          <p:spPr>
+            <a:xfrm>
+              <a:off x="5796784" y="1646505"/>
+              <a:ext cx="1727204" cy="369332"/>
+            </a:xfrm>
+            <a:prstGeom prst="rect">
+              <a:avLst/>
+            </a:prstGeom>
+            <a:noFill/>
+          </p:spPr>
+          <p:txBody>
+            <a:bodyPr wrap="none" rtlCol="0">
+              <a:spAutoFit/>
+            </a:bodyPr>
+            <a:lstStyle/>
+            <a:p>
+              <a:r>
+                <a:rPr lang="en-US" smtClean="0"/>
+                <a:t>Temperature(˚C)</a:t>
+              </a:r>
+              <a:endParaRPr lang="en-US"/>
+            </a:p>
+          </p:txBody>
+        </p:sp>
+      </p:grpSp>
+      <p:grpSp>
+        <p:nvGrpSpPr>
+          <p:cNvPr id="34" name="Group 33"/>
+          <p:cNvGrpSpPr/>
+          <p:nvPr/>
+        </p:nvGrpSpPr>
+        <p:grpSpPr>
+          <a:xfrm>
+            <a:off x="278545" y="3167354"/>
+            <a:ext cx="4489819" cy="1117338"/>
+            <a:chOff x="1990153" y="2564581"/>
+            <a:chExt cx="5309040" cy="1321210"/>
+          </a:xfrm>
+        </p:grpSpPr>
+        <p:pic>
+          <p:nvPicPr>
+            <p:cNvPr id="31" name="Picture 30"/>
+            <p:cNvPicPr>
+              <a:picLocks noChangeAspect="1"/>
+            </p:cNvPicPr>
+            <p:nvPr/>
+          </p:nvPicPr>
+          <p:blipFill>
+            <a:blip r:embed="rId3">
+              <a:extLst>
+                <a:ext uri="{28A0092B-C50C-407E-A947-70E740481C1C}">
+                  <a14:useLocalDpi xmlns:a14="http://schemas.microsoft.com/office/drawing/2010/main" val="0"/>
+                </a:ext>
+              </a:extLst>
+            </a:blip>
+            <a:stretch>
+              <a:fillRect/>
+            </a:stretch>
+          </p:blipFill>
+          <p:spPr>
+            <a:xfrm>
+              <a:off x="1995931" y="3219821"/>
+              <a:ext cx="5256410" cy="665970"/>
+            </a:xfrm>
+            <a:prstGeom prst="rect">
+              <a:avLst/>
+            </a:prstGeom>
+          </p:spPr>
+        </p:pic>
+        <p:sp>
+          <p:nvSpPr>
+            <p:cNvPr id="32" name="TextBox 31"/>
+            <p:cNvSpPr txBox="1"/>
+            <p:nvPr/>
+          </p:nvSpPr>
+          <p:spPr>
+            <a:xfrm>
+              <a:off x="1990153" y="2564581"/>
+              <a:ext cx="5309040" cy="436721"/>
+            </a:xfrm>
+            <a:prstGeom prst="rect">
+              <a:avLst/>
+            </a:prstGeom>
+            <a:noFill/>
+          </p:spPr>
+          <p:txBody>
+            <a:bodyPr wrap="none" rtlCol="0">
+              <a:spAutoFit/>
+            </a:bodyPr>
+            <a:lstStyle/>
+            <a:p>
+              <a:r>
+                <a:rPr lang="en-US" b="1" dirty="0" smtClean="0"/>
+                <a:t>Analog digital converter code to temperature</a:t>
+              </a:r>
+            </a:p>
+          </p:txBody>
+        </p:sp>
+      </p:grpSp>
+      <p:grpSp>
+        <p:nvGrpSpPr>
+          <p:cNvPr id="38" name="Group 37"/>
+          <p:cNvGrpSpPr/>
+          <p:nvPr/>
+        </p:nvGrpSpPr>
+        <p:grpSpPr>
+          <a:xfrm>
+            <a:off x="278545" y="4427372"/>
+            <a:ext cx="3529339" cy="516326"/>
+            <a:chOff x="254485" y="4480625"/>
+            <a:chExt cx="3529339" cy="516326"/>
+          </a:xfrm>
+        </p:grpSpPr>
+        <p:pic>
+          <p:nvPicPr>
+            <p:cNvPr id="35" name="Picture 34"/>
+            <p:cNvPicPr>
+              <a:picLocks noChangeAspect="1"/>
+            </p:cNvPicPr>
+            <p:nvPr/>
+          </p:nvPicPr>
+          <p:blipFill>
+            <a:blip r:embed="rId4">
+              <a:extLst>
+                <a:ext uri="{28A0092B-C50C-407E-A947-70E740481C1C}">
+                  <a14:useLocalDpi xmlns:a14="http://schemas.microsoft.com/office/drawing/2010/main" val="0"/>
+                </a:ext>
+              </a:extLst>
+            </a:blip>
+            <a:stretch>
+              <a:fillRect/>
+            </a:stretch>
+          </p:blipFill>
+          <p:spPr>
+            <a:xfrm>
+              <a:off x="1700715" y="4480625"/>
+              <a:ext cx="2083109" cy="516326"/>
+            </a:xfrm>
+            <a:prstGeom prst="rect">
+              <a:avLst/>
+            </a:prstGeom>
+          </p:spPr>
+        </p:pic>
+        <p:sp>
+          <p:nvSpPr>
+            <p:cNvPr id="36" name="TextBox 35"/>
+            <p:cNvSpPr txBox="1"/>
+            <p:nvPr/>
+          </p:nvSpPr>
+          <p:spPr>
+            <a:xfrm>
+              <a:off x="254485" y="4536221"/>
+              <a:ext cx="1446230" cy="369332"/>
+            </a:xfrm>
+            <a:prstGeom prst="rect">
+              <a:avLst/>
+            </a:prstGeom>
+            <a:noFill/>
+          </p:spPr>
+          <p:txBody>
+            <a:bodyPr wrap="none" rtlCol="0">
+              <a:spAutoFit/>
+            </a:bodyPr>
+            <a:lstStyle/>
+            <a:p>
+              <a:r>
+                <a:rPr lang="en-US" dirty="0" smtClean="0"/>
+                <a:t>Derived from</a:t>
+              </a:r>
+              <a:endParaRPr lang="en-US" sz="1600" dirty="0"/>
+            </a:p>
+          </p:txBody>
+        </p:sp>
+      </p:grpSp>
+      <p:sp>
+        <p:nvSpPr>
+          <p:cNvPr id="37" name="Rectangle 36"/>
+          <p:cNvSpPr/>
+          <p:nvPr/>
+        </p:nvSpPr>
+        <p:spPr>
+          <a:xfrm>
+            <a:off x="16975" y="6251387"/>
+            <a:ext cx="4100098" cy="369332"/>
+          </a:xfrm>
+          <a:prstGeom prst="rect">
+            <a:avLst/>
+          </a:prstGeom>
+        </p:spPr>
+        <p:txBody>
+          <a:bodyPr wrap="none">
+            <a:spAutoFit/>
+          </a:bodyPr>
+          <a:lstStyle/>
+          <a:p>
+            <a:pPr algn="ctr"/>
+            <a:r>
+              <a:rPr lang="en-US" dirty="0" smtClean="0">
+                <a:solidFill>
+                  <a:schemeClr val="bg2">
+                    <a:lumMod val="50000"/>
+                  </a:schemeClr>
+                </a:solidFill>
+              </a:rPr>
+              <a:t>Equations </a:t>
+            </a:r>
+            <a:r>
+              <a:rPr lang="en-US" smtClean="0">
+                <a:solidFill>
+                  <a:schemeClr val="bg2">
+                    <a:lumMod val="50000"/>
+                  </a:schemeClr>
+                </a:solidFill>
+              </a:rPr>
+              <a:t>found in Xilinx </a:t>
+            </a:r>
+            <a:r>
+              <a:rPr lang="en-US" dirty="0">
+                <a:solidFill>
+                  <a:schemeClr val="bg2">
+                    <a:lumMod val="50000"/>
+                  </a:schemeClr>
+                </a:solidFill>
+              </a:rPr>
+              <a:t>XADC user guide</a:t>
+            </a:r>
+            <a:endParaRPr lang="en-US" dirty="0">
+              <a:solidFill>
+                <a:schemeClr val="bg2">
+                  <a:lumMod val="50000"/>
+                </a:schemeClr>
+              </a:solidFill>
+            </a:endParaRPr>
+          </a:p>
+        </p:txBody>
+      </p:sp>
+      <p:sp>
+        <p:nvSpPr>
+          <p:cNvPr id="39" name="TextBox 38"/>
+          <p:cNvSpPr txBox="1"/>
+          <p:nvPr/>
+        </p:nvSpPr>
+        <p:spPr>
+          <a:xfrm>
+            <a:off x="385444" y="5579977"/>
+            <a:ext cx="3918331" cy="646331"/>
+          </a:xfrm>
+          <a:prstGeom prst="rect">
+            <a:avLst/>
+          </a:prstGeom>
+          <a:noFill/>
+        </p:spPr>
+        <p:txBody>
+          <a:bodyPr wrap="square" rtlCol="0">
+            <a:spAutoFit/>
+          </a:bodyPr>
+          <a:lstStyle/>
+          <a:p>
+            <a:r>
+              <a:rPr lang="en-US" dirty="0" smtClean="0"/>
+              <a:t>Voltage is sampled by the 12-bit ADC to produce an ADC Code</a:t>
+            </a:r>
+            <a:endParaRPr lang="en-US" dirty="0"/>
+          </a:p>
+        </p:txBody>
+      </p:sp>
+      <p:sp>
+        <p:nvSpPr>
+          <p:cNvPr id="40" name="TextBox 39"/>
+          <p:cNvSpPr txBox="1"/>
+          <p:nvPr/>
+        </p:nvSpPr>
+        <p:spPr>
+          <a:xfrm>
+            <a:off x="1001660" y="4845927"/>
+            <a:ext cx="1955792" cy="738664"/>
+          </a:xfrm>
+          <a:prstGeom prst="rect">
+            <a:avLst/>
+          </a:prstGeom>
+          <a:noFill/>
+        </p:spPr>
+        <p:txBody>
+          <a:bodyPr wrap="none" rtlCol="0">
+            <a:spAutoFit/>
+          </a:bodyPr>
+          <a:lstStyle/>
+          <a:p>
+            <a:r>
+              <a:rPr lang="en-US" sz="1400" dirty="0" smtClean="0"/>
+              <a:t>k=</a:t>
+            </a:r>
+            <a:r>
+              <a:rPr lang="en-US" sz="1400" dirty="0"/>
+              <a:t>Boltzmann’s </a:t>
+            </a:r>
+            <a:r>
+              <a:rPr lang="en-US" sz="1400" dirty="0" smtClean="0"/>
+              <a:t>constant</a:t>
+            </a:r>
+          </a:p>
+          <a:p>
+            <a:r>
+              <a:rPr lang="en-US" sz="1400" dirty="0" smtClean="0"/>
+              <a:t> T = temperature  (K)</a:t>
+            </a:r>
+          </a:p>
+          <a:p>
+            <a:r>
+              <a:rPr lang="en-US" sz="1400" dirty="0" smtClean="0"/>
+              <a:t>q=charge on an electron</a:t>
+            </a:r>
+            <a:endParaRPr lang="en-US" sz="1400" dirty="0"/>
           </a:p>
         </p:txBody>
       </p:sp>
@@ -16938,7 +16826,7 @@
                   <a:schemeClr val="bg1"/>
                 </a:solidFill>
               </a:rPr>
-              <a:t>12/9/15</a:t>
+              <a:t>12/10/15</a:t>
             </a:fld>
             <a:endParaRPr lang="en-US" b="1" dirty="0">
               <a:solidFill>
@@ -17141,23 +17029,7 @@
                   <a:schemeClr val="bg1"/>
                 </a:solidFill>
               </a:rPr>
-              <a:t>ECE </a:t>
-            </a:r>
-            <a:r>
-              <a:rPr lang="en-US" b="1" dirty="0" smtClean="0">
-                <a:solidFill>
-                  <a:schemeClr val="bg1"/>
-                </a:solidFill>
-              </a:rPr>
-              <a:t>4401</a:t>
-            </a:r>
-            <a:r>
-              <a:rPr lang="en-US" b="1" dirty="0" smtClean="0">
-                <a:solidFill>
-                  <a:schemeClr val="bg1"/>
-                </a:solidFill>
-              </a:rPr>
-              <a:t> – Final Project</a:t>
+              <a:t>ECE 4401 – Final Project</a:t>
             </a:r>
             <a:endParaRPr lang="en-US" b="1" dirty="0">
               <a:solidFill>
@@ -17218,7 +17090,7 @@
           </p:nvSpPr>
           <p:spPr>
             <a:xfrm>
-              <a:off x="1200150" y="1220042"/>
+              <a:off x="1115355" y="1218919"/>
               <a:ext cx="914400" cy="914400"/>
             </a:xfrm>
             <a:prstGeom prst="ellipse">
@@ -17634,7 +17506,7 @@
                   <a:solidFill>
                     <a:schemeClr val="tx1"/>
                   </a:solidFill>
-                  <a:tailEnd type="triangle"/>
+                  <a:tailEnd type="triangle" w="lg" len="lg"/>
                 </a:ln>
               </p:spPr>
               <p:style>
@@ -17675,7 +17547,7 @@
                   <a:solidFill>
                     <a:schemeClr val="tx1"/>
                   </a:solidFill>
-                  <a:tailEnd type="triangle"/>
+                  <a:tailEnd type="triangle" w="lg" len="lg"/>
                 </a:ln>
               </p:spPr>
               <p:style>
@@ -17784,7 +17656,7 @@
                   <a:solidFill>
                     <a:schemeClr val="tx1"/>
                   </a:solidFill>
-                  <a:tailEnd type="triangle"/>
+                  <a:tailEnd type="triangle" w="lg" len="lg"/>
                 </a:ln>
               </p:spPr>
               <p:style>
@@ -17860,7 +17732,7 @@
                 <a:solidFill>
                   <a:schemeClr val="tx1"/>
                 </a:solidFill>
-                <a:tailEnd type="triangle"/>
+                <a:tailEnd type="triangle" w="lg" len="lg"/>
               </a:ln>
             </p:spPr>
             <p:style>
@@ -18321,7 +18193,7 @@
                   <a:schemeClr val="bg1"/>
                 </a:solidFill>
               </a:rPr>
-              <a:t>12/9/15</a:t>
+              <a:t>12/10/15</a:t>
             </a:fld>
             <a:endParaRPr lang="en-US" b="1" dirty="0">
               <a:solidFill>
@@ -18524,23 +18396,7 @@
                   <a:schemeClr val="bg1"/>
                 </a:solidFill>
               </a:rPr>
-              <a:t>ECE </a:t>
-            </a:r>
-            <a:r>
-              <a:rPr lang="en-US" b="1" dirty="0" smtClean="0">
-                <a:solidFill>
-                  <a:schemeClr val="bg1"/>
-                </a:solidFill>
-              </a:rPr>
-              <a:t>4401</a:t>
-            </a:r>
-            <a:r>
-              <a:rPr lang="en-US" b="1" dirty="0" smtClean="0">
-                <a:solidFill>
-                  <a:schemeClr val="bg1"/>
-                </a:solidFill>
-              </a:rPr>
-              <a:t> – Final Project</a:t>
+              <a:t>ECE 4401 – Final Project</a:t>
             </a:r>
             <a:endParaRPr lang="en-US" b="1" dirty="0">
               <a:solidFill>
@@ -18560,8 +18416,8 @@
         </p:nvSpPr>
         <p:spPr>
           <a:xfrm>
-            <a:off x="114300" y="4225619"/>
-            <a:ext cx="5591425" cy="2342100"/>
+            <a:off x="114635" y="4589335"/>
+            <a:ext cx="5591425" cy="1682460"/>
           </a:xfrm>
           <a:prstGeom prst="rect">
             <a:avLst/>
@@ -18569,7 +18425,7 @@
         </p:spPr>
         <p:txBody>
           <a:bodyPr vert="horz" lIns="91440" tIns="45720" rIns="91440" bIns="45720" rtlCol="0">
-            <a:normAutofit/>
+            <a:normAutofit lnSpcReduction="10000"/>
           </a:bodyPr>
           <a:lstStyle>
             <a:lvl1pPr marL="342900" indent="-342900" algn="l" defTabSz="914400" rtl="0" eaLnBrk="1" latinLnBrk="0" hangingPunct="1">
@@ -18737,8 +18593,27 @@
                 <a:ea typeface=""/>
                 <a:cs typeface=""/>
               </a:rPr>
-              <a:t>But this DC motor is controlled with 0 to 5V potential</a:t>
-            </a:r>
+              <a:t>DC motor is controlled with 0 to </a:t>
+            </a:r>
+            <a:r>
+              <a:rPr lang="en-US" sz="2400" dirty="0" smtClean="0">
+                <a:solidFill>
+                  <a:sysClr val="windowText" lastClr="000000"/>
+                </a:solidFill>
+                <a:latin typeface="Calibri"/>
+                <a:ea typeface=""/>
+                <a:cs typeface=""/>
+              </a:rPr>
+              <a:t>5V</a:t>
+            </a:r>
+            <a:endParaRPr lang="en-US" sz="2400" dirty="0" smtClean="0">
+              <a:solidFill>
+                <a:sysClr val="windowText" lastClr="000000"/>
+              </a:solidFill>
+              <a:latin typeface="Calibri"/>
+              <a:ea typeface=""/>
+              <a:cs typeface=""/>
+            </a:endParaRPr>
           </a:p>
           <a:p>
             <a:pPr>
@@ -18790,13 +18665,13 @@
               </a:ext>
             </a:extLst>
           </a:blip>
-          <a:srcRect l="4524" t="5148" r="3485" b="8177"/>
+          <a:srcRect l="4524" t="5148" r="3485" b="10850"/>
           <a:stretch/>
         </p:blipFill>
         <p:spPr>
           <a:xfrm>
-            <a:off x="0" y="1160321"/>
-            <a:ext cx="5419112" cy="3138940"/>
+            <a:off x="0" y="1450129"/>
+            <a:ext cx="5419112" cy="3042138"/>
           </a:xfrm>
           <a:prstGeom prst="rect">
             <a:avLst/>
@@ -18869,7 +18744,7 @@
           </p:nvCxnSpPr>
           <p:spPr>
             <a:xfrm>
-              <a:off x="7219950" y="799225"/>
+              <a:off x="7219950" y="773276"/>
               <a:ext cx="0" cy="590982"/>
             </a:xfrm>
             <a:prstGeom prst="straightConnector1">
@@ -19020,8 +18895,8 @@
           </p:nvSpPr>
           <p:spPr>
             <a:xfrm>
-              <a:off x="6418192" y="3676232"/>
-              <a:ext cx="1603513" cy="776571"/>
+              <a:off x="6418192" y="3610646"/>
+              <a:ext cx="1603513" cy="889297"/>
             </a:xfrm>
             <a:prstGeom prst="rect">
               <a:avLst/>
@@ -19104,7 +18979,7 @@
           </p:nvSpPr>
           <p:spPr>
             <a:xfrm rot="5400000">
-              <a:off x="6433816" y="4687765"/>
+              <a:off x="6433815" y="4726689"/>
               <a:ext cx="509083" cy="167004"/>
             </a:xfrm>
             <a:prstGeom prst="rightArrow">
@@ -19144,7 +19019,7 @@
           </p:nvSpPr>
           <p:spPr>
             <a:xfrm rot="5400000">
-              <a:off x="7575997" y="4701855"/>
+              <a:off x="7575997" y="4740779"/>
               <a:ext cx="509082" cy="138823"/>
             </a:xfrm>
             <a:prstGeom prst="rightArrow">
@@ -19532,7 +19407,7 @@
         </p:nvSpPr>
         <p:spPr>
           <a:xfrm>
-            <a:off x="1184278" y="898622"/>
+            <a:off x="1184278" y="1072516"/>
             <a:ext cx="3387722" cy="369332"/>
           </a:xfrm>
           <a:prstGeom prst="rect">
@@ -19868,23 +19743,7 @@
                   <a:schemeClr val="bg1"/>
                 </a:solidFill>
               </a:rPr>
-              <a:t>ECE </a:t>
-            </a:r>
-            <a:r>
-              <a:rPr lang="en-US" b="1" dirty="0" smtClean="0">
-                <a:solidFill>
-                  <a:schemeClr val="bg1"/>
-                </a:solidFill>
-              </a:rPr>
-              <a:t>4401</a:t>
-            </a:r>
-            <a:r>
-              <a:rPr lang="en-US" b="1" dirty="0" smtClean="0">
-                <a:solidFill>
-                  <a:schemeClr val="bg1"/>
-                </a:solidFill>
-              </a:rPr>
-              <a:t> – Final Project</a:t>
+              <a:t>ECE 4401 – Final Project</a:t>
             </a:r>
             <a:endParaRPr lang="en-US" b="1" dirty="0">
               <a:solidFill>
@@ -19902,7 +19761,7 @@
         </p:nvSpPr>
         <p:spPr>
           <a:xfrm>
-            <a:off x="297255" y="6251387"/>
+            <a:off x="11505" y="6251387"/>
             <a:ext cx="4777590" cy="369332"/>
           </a:xfrm>
           <a:prstGeom prst="rect">
@@ -19971,7 +19830,7 @@
         </p:nvGrpSpPr>
         <p:grpSpPr>
           <a:xfrm>
-            <a:off x="412392" y="4242816"/>
+            <a:off x="454657" y="4026341"/>
             <a:ext cx="3330552" cy="646176"/>
             <a:chOff x="4328160" y="3962400"/>
             <a:chExt cx="3330552" cy="646176"/>
@@ -20058,7 +19917,7 @@
               <a:pPr algn="ctr"/>
               <a:r>
                 <a:rPr lang="en-US" dirty="0" smtClean="0"/>
-                <a:t>XX</a:t>
+                <a:t>X</a:t>
               </a:r>
               <a:endParaRPr lang="en-US" dirty="0"/>
             </a:p>
@@ -20146,7 +20005,7 @@
               <a:pPr algn="ctr"/>
               <a:r>
                 <a:rPr lang="en-US" dirty="0" smtClean="0"/>
-                <a:t>XX</a:t>
+                <a:t>X</a:t>
               </a:r>
               <a:endParaRPr lang="en-US" dirty="0"/>
             </a:p>
@@ -20205,8 +20064,8 @@
         </p:nvSpPr>
         <p:spPr>
           <a:xfrm>
-            <a:off x="382654" y="5019096"/>
-            <a:ext cx="3628513" cy="1107996"/>
+            <a:off x="386401" y="4795038"/>
+            <a:ext cx="3628513" cy="1354217"/>
           </a:xfrm>
           <a:prstGeom prst="rect">
             <a:avLst/>
@@ -20228,8 +20087,21 @@
             <a:pPr algn="ctr"/>
             <a:r>
               <a:rPr lang="en-US" sz="1600" dirty="0" smtClean="0"/>
-              <a:t>‘XX’ is a two digit hex number.</a:t>
-            </a:r>
+              <a:t>‘X</a:t>
+            </a:r>
+            <a:r>
+              <a:rPr lang="en-US" sz="1600" dirty="0" smtClean="0"/>
+              <a:t>’ is </a:t>
+            </a:r>
+            <a:r>
+              <a:rPr lang="en-US" sz="1600" dirty="0" smtClean="0"/>
+              <a:t>an 8-bit value (Current temperature and fan speed)</a:t>
+            </a:r>
+            <a:r>
+              <a:rPr lang="en-US" sz="1600" dirty="0" smtClean="0"/>
+              <a:t>.</a:t>
+            </a:r>
+            <a:endParaRPr lang="en-US" sz="1600" dirty="0" smtClean="0"/>
           </a:p>
           <a:p>
             <a:pPr algn="ctr"/>
@@ -20257,9 +20129,9 @@
         <p:grpSpPr>
           <a:xfrm>
             <a:off x="323275" y="1375416"/>
-            <a:ext cx="3490271" cy="2355563"/>
+            <a:ext cx="3490271" cy="2078564"/>
             <a:chOff x="4717922" y="825088"/>
-            <a:chExt cx="3490271" cy="2355563"/>
+            <a:chExt cx="3490271" cy="2078564"/>
           </a:xfrm>
         </p:grpSpPr>
         <p:sp>
@@ -20352,7 +20224,7 @@
           <p:spPr>
             <a:xfrm>
               <a:off x="5261610" y="2288099"/>
-              <a:ext cx="2633471" cy="892552"/>
+              <a:ext cx="2633471" cy="615553"/>
             </a:xfrm>
             <a:prstGeom prst="rect">
               <a:avLst/>
@@ -20368,7 +20240,15 @@
               <a:pPr algn="ctr"/>
               <a:r>
                 <a:rPr lang="en-US" b="1" dirty="0" smtClean="0"/>
-                <a:t>Diagram of used UART library</a:t>
+                <a:t>Diagram of </a:t>
+              </a:r>
+              <a:r>
+                <a:rPr lang="en-US" b="1" dirty="0" smtClean="0"/>
+                <a:t>UART </a:t>
+              </a:r>
+              <a:r>
+                <a:rPr lang="en-US" b="1" dirty="0" smtClean="0"/>
+                <a:t>library</a:t>
               </a:r>
               <a:r>
                 <a:rPr lang="en-US" b="1" baseline="30000" dirty="0" smtClean="0"/>
@@ -21062,7 +20942,7 @@
               <a:solidFill>
                 <a:schemeClr val="tx1"/>
               </a:solidFill>
-              <a:tailEnd type="triangle"/>
+              <a:tailEnd type="triangle" w="lg" len="lg"/>
             </a:ln>
           </p:spPr>
           <p:style>
@@ -21101,7 +20981,7 @@
               <a:solidFill>
                 <a:schemeClr val="tx1"/>
               </a:solidFill>
-              <a:tailEnd type="triangle"/>
+              <a:tailEnd type="triangle" w="lg" len="lg"/>
             </a:ln>
           </p:spPr>
           <p:style>
@@ -21142,7 +21022,7 @@
               <a:solidFill>
                 <a:schemeClr val="tx1"/>
               </a:solidFill>
-              <a:tailEnd type="triangle"/>
+              <a:tailEnd type="triangle" w="lg" len="lg"/>
             </a:ln>
           </p:spPr>
           <p:style>
@@ -21183,7 +21063,7 @@
               <a:solidFill>
                 <a:schemeClr val="tx1"/>
               </a:solidFill>
-              <a:tailEnd type="triangle"/>
+              <a:tailEnd type="triangle" w="lg" len="lg"/>
             </a:ln>
           </p:spPr>
           <p:style>
@@ -21222,7 +21102,7 @@
               <a:solidFill>
                 <a:schemeClr val="tx1"/>
               </a:solidFill>
-              <a:tailEnd type="triangle"/>
+              <a:tailEnd type="triangle" w="lg" len="lg"/>
             </a:ln>
           </p:spPr>
           <p:style>
@@ -21264,7 +21144,7 @@
               <a:solidFill>
                 <a:schemeClr val="tx1"/>
               </a:solidFill>
-              <a:tailEnd type="triangle"/>
+              <a:tailEnd type="triangle" w="lg" len="lg"/>
             </a:ln>
           </p:spPr>
           <p:style>

--- a/Documentation/DesignPresentation.pptx
+++ b/Documentation/DesignPresentation.pptx
@@ -5793,18 +5793,7 @@
                 <a:ea typeface=""/>
                 <a:cs typeface=""/>
               </a:rPr>
-              <a:t>VGA BRAM </a:t>
-            </a:r>
-            <a:r>
-              <a:rPr lang="en-US" noProof="0" dirty="0" smtClean="0">
-                <a:solidFill>
-                  <a:sysClr val="windowText" lastClr="000000"/>
-                </a:solidFill>
-                <a:latin typeface="Calibri"/>
-                <a:ea typeface=""/>
-                <a:cs typeface=""/>
-              </a:rPr>
-              <a:t>Display Module</a:t>
+              <a:t>VGA BRAM Display Module</a:t>
             </a:r>
             <a:endParaRPr kumimoji="0" lang="en-US" sz="4400" b="0" i="0" u="none" strike="noStrike" kern="1200" cap="none" spc="0" normalizeH="0" baseline="0" noProof="0" dirty="0">
               <a:ln>
@@ -6032,14 +6021,6 @@
               </a:rPr>
               <a:t>Current and desired temperature are written to BRAM over Wishbone</a:t>
             </a:r>
-            <a:endParaRPr lang="en-US" dirty="0" smtClean="0">
-              <a:solidFill>
-                <a:sysClr val="windowText" lastClr="000000"/>
-              </a:solidFill>
-              <a:latin typeface="Calibri"/>
-              <a:ea typeface=""/>
-              <a:cs typeface=""/>
-            </a:endParaRPr>
           </a:p>
           <a:p>
             <a:pPr>
@@ -8971,14 +8952,6 @@
               </a:rPr>
               <a:t>Set fan to 60% after 5 seconds and </a:t>
             </a:r>
-            <a:endParaRPr lang="en-US" sz="2400" dirty="0" smtClean="0">
-              <a:solidFill>
-                <a:sysClr val="windowText" lastClr="000000"/>
-              </a:solidFill>
-              <a:latin typeface="Calibri"/>
-              <a:ea typeface=""/>
-              <a:cs typeface=""/>
-            </a:endParaRPr>
           </a:p>
           <a:p>
             <a:pPr>
@@ -9004,18 +8977,7 @@
                 <a:ea typeface=""/>
                 <a:cs typeface=""/>
               </a:rPr>
-              <a:t>aptured </a:t>
-            </a:r>
-            <a:r>
-              <a:rPr lang="en-US" sz="2400" dirty="0" smtClean="0">
-                <a:solidFill>
-                  <a:sysClr val="windowText" lastClr="000000"/>
-                </a:solidFill>
-                <a:latin typeface="Calibri"/>
-                <a:ea typeface=""/>
-                <a:cs typeface=""/>
-              </a:rPr>
-              <a:t>temperature data through serial port</a:t>
+              <a:t>aptured temperature data through serial port</a:t>
             </a:r>
           </a:p>
           <a:p>
@@ -9444,18 +9406,7 @@
                 <a:ea typeface=""/>
                 <a:cs typeface=""/>
               </a:rPr>
-              <a:t>Controller Design </a:t>
-            </a:r>
-            <a:r>
-              <a:rPr lang="en-US" dirty="0" smtClean="0">
-                <a:solidFill>
-                  <a:sysClr val="windowText" lastClr="000000"/>
-                </a:solidFill>
-                <a:latin typeface="Calibri"/>
-                <a:ea typeface=""/>
-                <a:cs typeface=""/>
-              </a:rPr>
-              <a:t>and Results</a:t>
+              <a:t>Controller Design and Results</a:t>
             </a:r>
             <a:endParaRPr kumimoji="0" lang="en-US" sz="4400" b="0" i="0" u="none" strike="noStrike" kern="1200" cap="none" spc="0" normalizeH="0" baseline="0" noProof="0" dirty="0">
               <a:ln>
@@ -11269,6 +11220,52 @@
               </a:rPr>
               <a:t>VGA</a:t>
             </a:r>
+          </a:p>
+          <a:p>
+            <a:pPr>
+              <a:defRPr/>
+            </a:pPr>
+            <a:r>
+              <a:rPr lang="en-US" dirty="0" smtClean="0">
+                <a:solidFill>
+                  <a:sysClr val="windowText" lastClr="000000"/>
+                </a:solidFill>
+                <a:latin typeface="Calibri"/>
+                <a:ea typeface=""/>
+                <a:cs typeface=""/>
+              </a:rPr>
+              <a:t>Move communication between fan, PID controller, </a:t>
+            </a:r>
+            <a:r>
+              <a:rPr lang="en-US" smtClean="0">
+                <a:solidFill>
+                  <a:sysClr val="windowText" lastClr="000000"/>
+                </a:solidFill>
+                <a:latin typeface="Calibri"/>
+                <a:ea typeface=""/>
+                <a:cs typeface=""/>
+              </a:rPr>
+              <a:t>temperature sensor, buttons and serial port </a:t>
+            </a:r>
+            <a:r>
+              <a:rPr lang="en-US" dirty="0" smtClean="0">
+                <a:solidFill>
+                  <a:sysClr val="windowText" lastClr="000000"/>
+                </a:solidFill>
+                <a:latin typeface="Calibri"/>
+                <a:ea typeface=""/>
+                <a:cs typeface=""/>
+              </a:rPr>
+              <a:t>to wishbone bus</a:t>
+            </a:r>
+            <a:endParaRPr lang="en-US" baseline="0" dirty="0" smtClean="0">
+              <a:solidFill>
+                <a:sysClr val="windowText" lastClr="000000"/>
+              </a:solidFill>
+              <a:latin typeface="Calibri"/>
+              <a:ea typeface=""/>
+              <a:cs typeface=""/>
+            </a:endParaRPr>
           </a:p>
         </p:txBody>
       </p:sp>
@@ -13309,11 +13306,7 @@
             </a:r>
             <a:r>
               <a:rPr lang="en-US" dirty="0" smtClean="0"/>
-              <a:t>n </a:t>
-            </a:r>
-            <a:r>
-              <a:rPr lang="en-US" dirty="0" smtClean="0"/>
-              <a:t>board I/O</a:t>
+              <a:t>n board I/O</a:t>
             </a:r>
             <a:endParaRPr lang="en-US" dirty="0"/>
           </a:p>
@@ -13611,24 +13604,7 @@
                 <a:ea typeface=""/>
                 <a:cs typeface=""/>
               </a:rPr>
-              <a:t> </a:t>
-            </a:r>
-            <a:r>
-              <a:rPr kumimoji="0" lang="en-US" sz="4400" b="0" i="0" u="none" strike="noStrike" kern="1200" cap="none" spc="0" normalizeH="0" noProof="0" dirty="0" smtClean="0">
-                <a:ln>
-                  <a:noFill/>
-                </a:ln>
-                <a:solidFill>
-                  <a:sysClr val="windowText" lastClr="000000"/>
-                </a:solidFill>
-                <a:effectLst/>
-                <a:uLnTx/>
-                <a:uFillTx/>
-                <a:latin typeface="Calibri"/>
-                <a:ea typeface=""/>
-                <a:cs typeface=""/>
-              </a:rPr>
-              <a:t>VHDL Architecture</a:t>
+              <a:t> VHDL Architecture</a:t>
             </a:r>
             <a:endParaRPr kumimoji="0" lang="en-US" sz="4400" b="0" i="0" u="none" strike="noStrike" kern="1200" cap="none" spc="0" normalizeH="0" baseline="0" noProof="0" dirty="0">
               <a:ln>
@@ -16625,13 +16601,6 @@
               </a:rPr>
               <a:t>XADC user guide</a:t>
             </a:r>
-            <a:endParaRPr lang="en-US" dirty="0">
-              <a:solidFill>
-                <a:schemeClr val="bg2">
-                  <a:lumMod val="50000"/>
-                </a:schemeClr>
-              </a:solidFill>
-            </a:endParaRPr>
           </a:p>
         </p:txBody>
       </p:sp>
@@ -18593,27 +18562,8 @@
                 <a:ea typeface=""/>
                 <a:cs typeface=""/>
               </a:rPr>
-              <a:t>DC motor is controlled with 0 to </a:t>
+              <a:t>DC motor is controlled with 0 to 5V</a:t>
             </a:r>
-            <a:r>
-              <a:rPr lang="en-US" sz="2400" dirty="0" smtClean="0">
-                <a:solidFill>
-                  <a:sysClr val="windowText" lastClr="000000"/>
-                </a:solidFill>
-                <a:latin typeface="Calibri"/>
-                <a:ea typeface=""/>
-                <a:cs typeface=""/>
-              </a:rPr>
-              <a:t>5V</a:t>
-            </a:r>
-            <a:endParaRPr lang="en-US" sz="2400" dirty="0" smtClean="0">
-              <a:solidFill>
-                <a:sysClr val="windowText" lastClr="000000"/>
-              </a:solidFill>
-              <a:latin typeface="Calibri"/>
-              <a:ea typeface=""/>
-              <a:cs typeface=""/>
-            </a:endParaRPr>
           </a:p>
           <a:p>
             <a:pPr>
@@ -20087,21 +20037,8 @@
             <a:pPr algn="ctr"/>
             <a:r>
               <a:rPr lang="en-US" sz="1600" dirty="0" smtClean="0"/>
-              <a:t>‘X</a:t>
+              <a:t>‘X’ is an 8-bit value (Current temperature and fan speed).</a:t>
             </a:r>
-            <a:r>
-              <a:rPr lang="en-US" sz="1600" dirty="0" smtClean="0"/>
-              <a:t>’ is </a:t>
-            </a:r>
-            <a:r>
-              <a:rPr lang="en-US" sz="1600" dirty="0" smtClean="0"/>
-              <a:t>an 8-bit value (Current temperature and fan speed)</a:t>
-            </a:r>
-            <a:r>
-              <a:rPr lang="en-US" sz="1600" dirty="0" smtClean="0"/>
-              <a:t>.</a:t>
-            </a:r>
-            <a:endParaRPr lang="en-US" sz="1600" dirty="0" smtClean="0"/>
           </a:p>
           <a:p>
             <a:pPr algn="ctr"/>
@@ -20240,15 +20177,7 @@
               <a:pPr algn="ctr"/>
               <a:r>
                 <a:rPr lang="en-US" b="1" dirty="0" smtClean="0"/>
-                <a:t>Diagram of </a:t>
-              </a:r>
-              <a:r>
-                <a:rPr lang="en-US" b="1" dirty="0" smtClean="0"/>
-                <a:t>UART </a:t>
-              </a:r>
-              <a:r>
-                <a:rPr lang="en-US" b="1" dirty="0" smtClean="0"/>
-                <a:t>library</a:t>
+                <a:t>Diagram of UART library</a:t>
               </a:r>
               <a:r>
                 <a:rPr lang="en-US" b="1" baseline="30000" dirty="0" smtClean="0"/>
